--- a/UmamusumeStyle/UmamusumeStyle.pptx
+++ b/UmamusumeStyle/UmamusumeStyle.pptx
@@ -6,15 +6,16 @@
   </p:sldMasterIdLst>
   <p:sldIdLst>
     <p:sldId id="260" r:id="rId2"/>
-    <p:sldId id="259" r:id="rId3"/>
-    <p:sldId id="261" r:id="rId4"/>
-    <p:sldId id="263" r:id="rId5"/>
-    <p:sldId id="256" r:id="rId6"/>
-    <p:sldId id="262" r:id="rId7"/>
-    <p:sldId id="257" r:id="rId8"/>
-    <p:sldId id="264" r:id="rId9"/>
-    <p:sldId id="258" r:id="rId10"/>
-    <p:sldId id="265" r:id="rId11"/>
+    <p:sldId id="266" r:id="rId3"/>
+    <p:sldId id="270" r:id="rId4"/>
+    <p:sldId id="261" r:id="rId5"/>
+    <p:sldId id="263" r:id="rId6"/>
+    <p:sldId id="267" r:id="rId7"/>
+    <p:sldId id="262" r:id="rId8"/>
+    <p:sldId id="268" r:id="rId9"/>
+    <p:sldId id="264" r:id="rId10"/>
+    <p:sldId id="269" r:id="rId11"/>
+    <p:sldId id="265" r:id="rId12"/>
   </p:sldIdLst>
   <p:sldSz cx="12192000" cy="6858000"/>
   <p:notesSz cx="6858000" cy="9144000"/>
@@ -113,6 +114,11 @@
       </a:defRPr>
     </a:lvl9pPr>
   </p:defaultTextStyle>
+  <p:extLst>
+    <p:ext uri="{EFAFB233-063F-42B5-8137-9DF3F51BA10A}">
+      <p15:sldGuideLst xmlns:p15="http://schemas.microsoft.com/office/powerpoint/2012/main"/>
+    </p:ext>
+  </p:extLst>
 </p:presentation>
 </file>
 
@@ -263,7 +269,7 @@
           <a:p>
             <a:fld id="{E2A15D2C-3287-41D3-B7B7-48BCEE524AD7}" type="datetimeFigureOut">
               <a:rPr kumimoji="1" lang="ja-JP" altLang="en-US" smtClean="0"/>
-              <a:t>2023/8/11</a:t>
+              <a:t>2023/9/3</a:t>
             </a:fld>
             <a:endParaRPr kumimoji="1" lang="ja-JP" altLang="en-US"/>
           </a:p>
@@ -493,7 +499,7 @@
           <a:p>
             <a:fld id="{E2A15D2C-3287-41D3-B7B7-48BCEE524AD7}" type="datetimeFigureOut">
               <a:rPr kumimoji="1" lang="ja-JP" altLang="en-US" smtClean="0"/>
-              <a:t>2023/8/11</a:t>
+              <a:t>2023/9/3</a:t>
             </a:fld>
             <a:endParaRPr kumimoji="1" lang="ja-JP" altLang="en-US"/>
           </a:p>
@@ -733,7 +739,7 @@
           <a:p>
             <a:fld id="{E2A15D2C-3287-41D3-B7B7-48BCEE524AD7}" type="datetimeFigureOut">
               <a:rPr kumimoji="1" lang="ja-JP" altLang="en-US" smtClean="0"/>
-              <a:t>2023/8/11</a:t>
+              <a:t>2023/9/3</a:t>
             </a:fld>
             <a:endParaRPr kumimoji="1" lang="ja-JP" altLang="en-US"/>
           </a:p>
@@ -963,7 +969,7 @@
           <a:p>
             <a:fld id="{E2A15D2C-3287-41D3-B7B7-48BCEE524AD7}" type="datetimeFigureOut">
               <a:rPr kumimoji="1" lang="ja-JP" altLang="en-US" smtClean="0"/>
-              <a:t>2023/8/11</a:t>
+              <a:t>2023/9/3</a:t>
             </a:fld>
             <a:endParaRPr kumimoji="1" lang="ja-JP" altLang="en-US"/>
           </a:p>
@@ -1238,7 +1244,7 @@
           <a:p>
             <a:fld id="{E2A15D2C-3287-41D3-B7B7-48BCEE524AD7}" type="datetimeFigureOut">
               <a:rPr kumimoji="1" lang="ja-JP" altLang="en-US" smtClean="0"/>
-              <a:t>2023/8/11</a:t>
+              <a:t>2023/9/3</a:t>
             </a:fld>
             <a:endParaRPr kumimoji="1" lang="ja-JP" altLang="en-US"/>
           </a:p>
@@ -1567,7 +1573,7 @@
           <a:p>
             <a:fld id="{E2A15D2C-3287-41D3-B7B7-48BCEE524AD7}" type="datetimeFigureOut">
               <a:rPr kumimoji="1" lang="ja-JP" altLang="en-US" smtClean="0"/>
-              <a:t>2023/8/11</a:t>
+              <a:t>2023/9/3</a:t>
             </a:fld>
             <a:endParaRPr kumimoji="1" lang="ja-JP" altLang="en-US"/>
           </a:p>
@@ -2043,7 +2049,7 @@
           <a:p>
             <a:fld id="{E2A15D2C-3287-41D3-B7B7-48BCEE524AD7}" type="datetimeFigureOut">
               <a:rPr kumimoji="1" lang="ja-JP" altLang="en-US" smtClean="0"/>
-              <a:t>2023/8/11</a:t>
+              <a:t>2023/9/3</a:t>
             </a:fld>
             <a:endParaRPr kumimoji="1" lang="ja-JP" altLang="en-US"/>
           </a:p>
@@ -2184,7 +2190,7 @@
           <a:p>
             <a:fld id="{E2A15D2C-3287-41D3-B7B7-48BCEE524AD7}" type="datetimeFigureOut">
               <a:rPr kumimoji="1" lang="ja-JP" altLang="en-US" smtClean="0"/>
-              <a:t>2023/8/11</a:t>
+              <a:t>2023/9/3</a:t>
             </a:fld>
             <a:endParaRPr kumimoji="1" lang="ja-JP" altLang="en-US"/>
           </a:p>
@@ -2297,7 +2303,7 @@
           <a:p>
             <a:fld id="{E2A15D2C-3287-41D3-B7B7-48BCEE524AD7}" type="datetimeFigureOut">
               <a:rPr kumimoji="1" lang="ja-JP" altLang="en-US" smtClean="0"/>
-              <a:t>2023/8/11</a:t>
+              <a:t>2023/9/3</a:t>
             </a:fld>
             <a:endParaRPr kumimoji="1" lang="ja-JP" altLang="en-US"/>
           </a:p>
@@ -2640,7 +2646,7 @@
           <a:p>
             <a:fld id="{E2A15D2C-3287-41D3-B7B7-48BCEE524AD7}" type="datetimeFigureOut">
               <a:rPr kumimoji="1" lang="ja-JP" altLang="en-US" smtClean="0"/>
-              <a:t>2023/8/11</a:t>
+              <a:t>2023/9/3</a:t>
             </a:fld>
             <a:endParaRPr kumimoji="1" lang="ja-JP" altLang="en-US"/>
           </a:p>
@@ -2928,7 +2934,7 @@
           <a:p>
             <a:fld id="{E2A15D2C-3287-41D3-B7B7-48BCEE524AD7}" type="datetimeFigureOut">
               <a:rPr kumimoji="1" lang="ja-JP" altLang="en-US" smtClean="0"/>
-              <a:t>2023/8/11</a:t>
+              <a:t>2023/9/3</a:t>
             </a:fld>
             <a:endParaRPr kumimoji="1" lang="ja-JP" altLang="en-US"/>
           </a:p>
@@ -3201,7 +3207,7 @@
           <a:p>
             <a:fld id="{E2A15D2C-3287-41D3-B7B7-48BCEE524AD7}" type="datetimeFigureOut">
               <a:rPr kumimoji="1" lang="ja-JP" altLang="en-US" smtClean="0"/>
-              <a:t>2023/8/11</a:t>
+              <a:t>2023/9/3</a:t>
             </a:fld>
             <a:endParaRPr kumimoji="1" lang="ja-JP" altLang="en-US"/>
           </a:p>
@@ -4336,6 +4342,1111 @@
           <a:chExt cx="0" cy="0"/>
         </a:xfrm>
       </p:grpSpPr>
+      <p:pic>
+        <p:nvPicPr>
+          <p:cNvPr id="10" name="図 9" descr="背景パターン&#10;&#10;自動的に生成された説明">
+            <a:extLst>
+              <a:ext uri="{FF2B5EF4-FFF2-40B4-BE49-F238E27FC236}">
+                <a16:creationId xmlns:a16="http://schemas.microsoft.com/office/drawing/2014/main" id="{BBCA48DB-7467-6ABB-3178-B56DBDBE4040}"/>
+              </a:ext>
+            </a:extLst>
+          </p:cNvPr>
+          <p:cNvPicPr>
+            <a:picLocks noChangeAspect="1"/>
+          </p:cNvPicPr>
+          <p:nvPr/>
+        </p:nvPicPr>
+        <p:blipFill rotWithShape="1">
+          <a:blip r:embed="rId2">
+            <a:extLst>
+              <a:ext uri="{28A0092B-C50C-407E-A947-70E740481C1C}">
+                <a14:useLocalDpi xmlns:a14="http://schemas.microsoft.com/office/drawing/2010/main" val="0"/>
+              </a:ext>
+            </a:extLst>
+          </a:blip>
+          <a:srcRect t="17503"/>
+          <a:stretch/>
+        </p:blipFill>
+        <p:spPr>
+          <a:xfrm>
+            <a:off x="-1" y="-1"/>
+            <a:ext cx="12192000" cy="1310267"/>
+          </a:xfrm>
+          <a:prstGeom prst="rect">
+            <a:avLst/>
+          </a:prstGeom>
+        </p:spPr>
+      </p:pic>
+      <p:pic>
+        <p:nvPicPr>
+          <p:cNvPr id="12" name="図 11" descr="背景パターン&#10;&#10;自動的に生成された説明">
+            <a:extLst>
+              <a:ext uri="{FF2B5EF4-FFF2-40B4-BE49-F238E27FC236}">
+                <a16:creationId xmlns:a16="http://schemas.microsoft.com/office/drawing/2014/main" id="{5D9315C7-2318-501E-A097-37D552B8B8B5}"/>
+              </a:ext>
+            </a:extLst>
+          </p:cNvPr>
+          <p:cNvPicPr>
+            <a:picLocks noChangeAspect="1"/>
+          </p:cNvPicPr>
+          <p:nvPr/>
+        </p:nvPicPr>
+        <p:blipFill rotWithShape="1">
+          <a:blip r:embed="rId3">
+            <a:extLst>
+              <a:ext uri="{28A0092B-C50C-407E-A947-70E740481C1C}">
+                <a14:useLocalDpi xmlns:a14="http://schemas.microsoft.com/office/drawing/2010/main" val="0"/>
+              </a:ext>
+            </a:extLst>
+          </a:blip>
+          <a:srcRect b="14856"/>
+          <a:stretch/>
+        </p:blipFill>
+        <p:spPr>
+          <a:xfrm>
+            <a:off x="0" y="5505687"/>
+            <a:ext cx="12192000" cy="1352313"/>
+          </a:xfrm>
+          <a:prstGeom prst="rect">
+            <a:avLst/>
+          </a:prstGeom>
+        </p:spPr>
+      </p:pic>
+      <p:sp>
+        <p:nvSpPr>
+          <p:cNvPr id="15" name="四角形: 角を丸くする 14">
+            <a:extLst>
+              <a:ext uri="{FF2B5EF4-FFF2-40B4-BE49-F238E27FC236}">
+                <a16:creationId xmlns:a16="http://schemas.microsoft.com/office/drawing/2014/main" id="{41DAA761-169D-3A82-0F57-9474FA512DCB}"/>
+              </a:ext>
+            </a:extLst>
+          </p:cNvPr>
+          <p:cNvSpPr/>
+          <p:nvPr/>
+        </p:nvSpPr>
+        <p:spPr>
+          <a:xfrm>
+            <a:off x="1936254" y="3586649"/>
+            <a:ext cx="8319492" cy="781396"/>
+          </a:xfrm>
+          <a:prstGeom prst="roundRect">
+            <a:avLst/>
+          </a:prstGeom>
+          <a:solidFill>
+            <a:srgbClr val="7F7F7F"/>
+          </a:solidFill>
+          <a:ln w="38100">
+            <a:solidFill>
+              <a:srgbClr val="797979"/>
+            </a:solidFill>
+          </a:ln>
+        </p:spPr>
+        <p:style>
+          <a:lnRef idx="2">
+            <a:schemeClr val="accent1">
+              <a:shade val="50000"/>
+            </a:schemeClr>
+          </a:lnRef>
+          <a:fillRef idx="1">
+            <a:schemeClr val="accent1"/>
+          </a:fillRef>
+          <a:effectRef idx="0">
+            <a:schemeClr val="accent1"/>
+          </a:effectRef>
+          <a:fontRef idx="minor">
+            <a:schemeClr val="lt1"/>
+          </a:fontRef>
+        </p:style>
+        <p:txBody>
+          <a:bodyPr rtlCol="0" anchor="ctr"/>
+          <a:lstStyle/>
+          <a:p>
+            <a:pPr algn="ctr"/>
+            <a:r>
+              <a:rPr lang="ja-JP" altLang="en-US" sz="2600" dirty="0">
+                <a:solidFill>
+                  <a:srgbClr val="3C2208"/>
+                </a:solidFill>
+                <a:latin typeface="わんぱくルイカ-０７" panose="02010803020103020304" pitchFamily="2" charset="-128"/>
+                <a:ea typeface="わんぱくルイカ-０７" panose="02010803020103020304" pitchFamily="2" charset="-128"/>
+              </a:rPr>
+              <a:t>章タイトル③</a:t>
+            </a:r>
+            <a:endParaRPr lang="en-US" altLang="ja-JP" sz="2600" dirty="0">
+              <a:solidFill>
+                <a:srgbClr val="3C2208"/>
+              </a:solidFill>
+              <a:latin typeface="わんぱくルイカ-０７" panose="02010803020103020304" pitchFamily="2" charset="-128"/>
+              <a:ea typeface="わんぱくルイカ-０７" panose="02010803020103020304" pitchFamily="2" charset="-128"/>
+            </a:endParaRPr>
+          </a:p>
+          <a:p>
+            <a:pPr algn="ctr"/>
+            <a:r>
+              <a:rPr lang="ja-JP" altLang="en-US" sz="1400" dirty="0">
+                <a:solidFill>
+                  <a:srgbClr val="3C2208"/>
+                </a:solidFill>
+                <a:latin typeface="わんぱくルイカ-０７" panose="02010803020103020304" pitchFamily="2" charset="-128"/>
+                <a:ea typeface="わんぱくルイカ-０７" panose="02010803020103020304" pitchFamily="2" charset="-128"/>
+              </a:rPr>
+              <a:t>第</a:t>
+            </a:r>
+            <a:r>
+              <a:rPr lang="en-US" altLang="ja-JP" sz="1400" dirty="0">
+                <a:solidFill>
+                  <a:srgbClr val="3C2208"/>
+                </a:solidFill>
+                <a:latin typeface="わんぱくルイカ-０７" panose="02010803020103020304" pitchFamily="2" charset="-128"/>
+                <a:ea typeface="わんぱくルイカ-０７" panose="02010803020103020304" pitchFamily="2" charset="-128"/>
+              </a:rPr>
+              <a:t>3</a:t>
+            </a:r>
+            <a:r>
+              <a:rPr lang="ja-JP" altLang="en-US" sz="1400" dirty="0">
+                <a:solidFill>
+                  <a:srgbClr val="3C2208"/>
+                </a:solidFill>
+                <a:latin typeface="わんぱくルイカ-０７" panose="02010803020103020304" pitchFamily="2" charset="-128"/>
+                <a:ea typeface="わんぱくルイカ-０７" panose="02010803020103020304" pitchFamily="2" charset="-128"/>
+              </a:rPr>
+              <a:t>章の詳細テキストを記述</a:t>
+            </a:r>
+          </a:p>
+        </p:txBody>
+      </p:sp>
+      <p:sp>
+        <p:nvSpPr>
+          <p:cNvPr id="16" name="四角形: 角を丸くする 15">
+            <a:extLst>
+              <a:ext uri="{FF2B5EF4-FFF2-40B4-BE49-F238E27FC236}">
+                <a16:creationId xmlns:a16="http://schemas.microsoft.com/office/drawing/2014/main" id="{37A2FC22-178A-D6F7-3369-9B3F8F1414AA}"/>
+              </a:ext>
+            </a:extLst>
+          </p:cNvPr>
+          <p:cNvSpPr/>
+          <p:nvPr/>
+        </p:nvSpPr>
+        <p:spPr>
+          <a:xfrm>
+            <a:off x="1936254" y="4724291"/>
+            <a:ext cx="8319492" cy="781396"/>
+          </a:xfrm>
+          <a:prstGeom prst="roundRect">
+            <a:avLst/>
+          </a:prstGeom>
+          <a:solidFill>
+            <a:srgbClr val="FDF4CB"/>
+          </a:solidFill>
+          <a:ln w="38100">
+            <a:solidFill>
+              <a:srgbClr val="F6EC9D"/>
+            </a:solidFill>
+          </a:ln>
+        </p:spPr>
+        <p:style>
+          <a:lnRef idx="2">
+            <a:schemeClr val="accent1">
+              <a:shade val="50000"/>
+            </a:schemeClr>
+          </a:lnRef>
+          <a:fillRef idx="1">
+            <a:schemeClr val="accent1"/>
+          </a:fillRef>
+          <a:effectRef idx="0">
+            <a:schemeClr val="accent1"/>
+          </a:effectRef>
+          <a:fontRef idx="minor">
+            <a:schemeClr val="lt1"/>
+          </a:fontRef>
+        </p:style>
+        <p:txBody>
+          <a:bodyPr rtlCol="0" anchor="ctr"/>
+          <a:lstStyle/>
+          <a:p>
+            <a:pPr algn="ctr"/>
+            <a:r>
+              <a:rPr lang="ja-JP" altLang="en-US" sz="2600" dirty="0">
+                <a:solidFill>
+                  <a:srgbClr val="794410"/>
+                </a:solidFill>
+                <a:latin typeface="わんぱくルイカ-０７" panose="02010803020103020304" pitchFamily="2" charset="-128"/>
+                <a:ea typeface="わんぱくルイカ-０７" panose="02010803020103020304" pitchFamily="2" charset="-128"/>
+              </a:rPr>
+              <a:t>章タイトル④</a:t>
+            </a:r>
+          </a:p>
+          <a:p>
+            <a:pPr algn="ctr"/>
+            <a:r>
+              <a:rPr lang="ja-JP" altLang="en-US" sz="1400" dirty="0">
+                <a:solidFill>
+                  <a:srgbClr val="794410"/>
+                </a:solidFill>
+                <a:latin typeface="わんぱくルイカ-０７" panose="02010803020103020304" pitchFamily="2" charset="-128"/>
+                <a:ea typeface="わんぱくルイカ-０７" panose="02010803020103020304" pitchFamily="2" charset="-128"/>
+              </a:rPr>
+              <a:t>第</a:t>
+            </a:r>
+            <a:r>
+              <a:rPr lang="en-US" altLang="ja-JP" sz="1400" dirty="0">
+                <a:solidFill>
+                  <a:srgbClr val="794410"/>
+                </a:solidFill>
+                <a:latin typeface="わんぱくルイカ-０７" panose="02010803020103020304" pitchFamily="2" charset="-128"/>
+                <a:ea typeface="わんぱくルイカ-０７" panose="02010803020103020304" pitchFamily="2" charset="-128"/>
+              </a:rPr>
+              <a:t>4</a:t>
+            </a:r>
+            <a:r>
+              <a:rPr lang="ja-JP" altLang="en-US" sz="1400" dirty="0">
+                <a:solidFill>
+                  <a:srgbClr val="794410"/>
+                </a:solidFill>
+                <a:latin typeface="わんぱくルイカ-０７" panose="02010803020103020304" pitchFamily="2" charset="-128"/>
+                <a:ea typeface="わんぱくルイカ-０７" panose="02010803020103020304" pitchFamily="2" charset="-128"/>
+              </a:rPr>
+              <a:t>章の詳細テキストを記述</a:t>
+            </a:r>
+          </a:p>
+        </p:txBody>
+      </p:sp>
+      <p:sp>
+        <p:nvSpPr>
+          <p:cNvPr id="19" name="四角形: 角を丸くする 18">
+            <a:extLst>
+              <a:ext uri="{FF2B5EF4-FFF2-40B4-BE49-F238E27FC236}">
+                <a16:creationId xmlns:a16="http://schemas.microsoft.com/office/drawing/2014/main" id="{675A98CF-7DEB-262F-BE21-D8666ABDDAA8}"/>
+              </a:ext>
+            </a:extLst>
+          </p:cNvPr>
+          <p:cNvSpPr/>
+          <p:nvPr/>
+        </p:nvSpPr>
+        <p:spPr>
+          <a:xfrm>
+            <a:off x="2214861" y="3799349"/>
+            <a:ext cx="871239" cy="355997"/>
+          </a:xfrm>
+          <a:prstGeom prst="roundRect">
+            <a:avLst>
+              <a:gd name="adj" fmla="val 50000"/>
+            </a:avLst>
+          </a:prstGeom>
+          <a:solidFill>
+            <a:srgbClr val="743143"/>
+          </a:solidFill>
+          <a:ln>
+            <a:solidFill>
+              <a:srgbClr val="743143"/>
+            </a:solidFill>
+          </a:ln>
+        </p:spPr>
+        <p:style>
+          <a:lnRef idx="2">
+            <a:schemeClr val="accent1">
+              <a:shade val="50000"/>
+            </a:schemeClr>
+          </a:lnRef>
+          <a:fillRef idx="1">
+            <a:schemeClr val="accent1"/>
+          </a:fillRef>
+          <a:effectRef idx="0">
+            <a:schemeClr val="accent1"/>
+          </a:effectRef>
+          <a:fontRef idx="minor">
+            <a:schemeClr val="lt1"/>
+          </a:fontRef>
+        </p:style>
+        <p:txBody>
+          <a:bodyPr rot="0" spcFirstLastPara="0" vertOverflow="overflow" horzOverflow="overflow" vert="horz" wrap="square" lIns="74295" tIns="37148" rIns="74295" bIns="37148" numCol="1" spcCol="0" rtlCol="0" fromWordArt="0" anchor="ctr" anchorCtr="0" forceAA="0" compatLnSpc="1">
+            <a:prstTxWarp prst="textNoShape">
+              <a:avLst/>
+            </a:prstTxWarp>
+            <a:noAutofit/>
+          </a:bodyPr>
+          <a:lstStyle/>
+          <a:p>
+            <a:pPr algn="ctr"/>
+            <a:r>
+              <a:rPr lang="ja-JP" altLang="en-US" sz="1600" dirty="0">
+                <a:solidFill>
+                  <a:srgbClr val="7F7F7F"/>
+                </a:solidFill>
+                <a:latin typeface="わんぱくルイカ-０７" panose="02010803020103020304" pitchFamily="2" charset="-128"/>
+                <a:ea typeface="わんぱくルイカ-０７" panose="02010803020103020304" pitchFamily="2" charset="-128"/>
+              </a:rPr>
+              <a:t>その</a:t>
+            </a:r>
+            <a:r>
+              <a:rPr lang="en-US" altLang="ja-JP" sz="1600" dirty="0">
+                <a:solidFill>
+                  <a:srgbClr val="7F7F7F"/>
+                </a:solidFill>
+                <a:latin typeface="わんぱくルイカ-０７" panose="02010803020103020304" pitchFamily="2" charset="-128"/>
+                <a:ea typeface="わんぱくルイカ-０７" panose="02010803020103020304" pitchFamily="2" charset="-128"/>
+              </a:rPr>
+              <a:t>3</a:t>
+            </a:r>
+            <a:endParaRPr lang="ja-JP" altLang="en-US" sz="1600" dirty="0">
+              <a:solidFill>
+                <a:srgbClr val="7F7F7F"/>
+              </a:solidFill>
+              <a:latin typeface="わんぱくルイカ-０７" panose="02010803020103020304" pitchFamily="2" charset="-128"/>
+              <a:ea typeface="わんぱくルイカ-０７" panose="02010803020103020304" pitchFamily="2" charset="-128"/>
+            </a:endParaRPr>
+          </a:p>
+        </p:txBody>
+      </p:sp>
+      <p:sp>
+        <p:nvSpPr>
+          <p:cNvPr id="20" name="四角形: 角を丸くする 19">
+            <a:extLst>
+              <a:ext uri="{FF2B5EF4-FFF2-40B4-BE49-F238E27FC236}">
+                <a16:creationId xmlns:a16="http://schemas.microsoft.com/office/drawing/2014/main" id="{5872D10E-C1D4-BE9A-2AB9-D025A70F269E}"/>
+              </a:ext>
+            </a:extLst>
+          </p:cNvPr>
+          <p:cNvSpPr/>
+          <p:nvPr/>
+        </p:nvSpPr>
+        <p:spPr>
+          <a:xfrm>
+            <a:off x="2214861" y="4936991"/>
+            <a:ext cx="871239" cy="355997"/>
+          </a:xfrm>
+          <a:prstGeom prst="roundRect">
+            <a:avLst>
+              <a:gd name="adj" fmla="val 50000"/>
+            </a:avLst>
+          </a:prstGeom>
+          <a:solidFill>
+            <a:srgbClr val="4A83DE"/>
+          </a:solidFill>
+          <a:ln>
+            <a:solidFill>
+              <a:srgbClr val="4A83DE"/>
+            </a:solidFill>
+          </a:ln>
+        </p:spPr>
+        <p:style>
+          <a:lnRef idx="2">
+            <a:schemeClr val="accent1">
+              <a:shade val="50000"/>
+            </a:schemeClr>
+          </a:lnRef>
+          <a:fillRef idx="1">
+            <a:schemeClr val="accent1"/>
+          </a:fillRef>
+          <a:effectRef idx="0">
+            <a:schemeClr val="accent1"/>
+          </a:effectRef>
+          <a:fontRef idx="minor">
+            <a:schemeClr val="lt1"/>
+          </a:fontRef>
+        </p:style>
+        <p:txBody>
+          <a:bodyPr rot="0" spcFirstLastPara="0" vertOverflow="overflow" horzOverflow="overflow" vert="horz" wrap="square" lIns="74295" tIns="37148" rIns="74295" bIns="37148" numCol="1" spcCol="0" rtlCol="0" fromWordArt="0" anchor="ctr" anchorCtr="0" forceAA="0" compatLnSpc="1">
+            <a:prstTxWarp prst="textNoShape">
+              <a:avLst/>
+            </a:prstTxWarp>
+            <a:noAutofit/>
+          </a:bodyPr>
+          <a:lstStyle/>
+          <a:p>
+            <a:pPr algn="ctr"/>
+            <a:r>
+              <a:rPr lang="ja-JP" altLang="en-US" sz="1600" dirty="0">
+                <a:latin typeface="わんぱくルイカ-０７" panose="02010803020103020304" pitchFamily="2" charset="-128"/>
+                <a:ea typeface="わんぱくルイカ-０７" panose="02010803020103020304" pitchFamily="2" charset="-128"/>
+              </a:rPr>
+              <a:t>その</a:t>
+            </a:r>
+            <a:r>
+              <a:rPr lang="en-US" altLang="ja-JP" sz="1600" dirty="0">
+                <a:latin typeface="わんぱくルイカ-０７" panose="02010803020103020304" pitchFamily="2" charset="-128"/>
+                <a:ea typeface="わんぱくルイカ-０７" panose="02010803020103020304" pitchFamily="2" charset="-128"/>
+              </a:rPr>
+              <a:t>4</a:t>
+            </a:r>
+            <a:endParaRPr lang="ja-JP" altLang="en-US" sz="1600" dirty="0">
+              <a:latin typeface="わんぱくルイカ-０７" panose="02010803020103020304" pitchFamily="2" charset="-128"/>
+              <a:ea typeface="わんぱくルイカ-０７" panose="02010803020103020304" pitchFamily="2" charset="-128"/>
+            </a:endParaRPr>
+          </a:p>
+        </p:txBody>
+      </p:sp>
+      <p:grpSp>
+        <p:nvGrpSpPr>
+          <p:cNvPr id="3" name="グループ化 2">
+            <a:extLst>
+              <a:ext uri="{FF2B5EF4-FFF2-40B4-BE49-F238E27FC236}">
+                <a16:creationId xmlns:a16="http://schemas.microsoft.com/office/drawing/2014/main" id="{19798558-59CC-4A15-31C6-0278337FAD3F}"/>
+              </a:ext>
+            </a:extLst>
+          </p:cNvPr>
+          <p:cNvGrpSpPr/>
+          <p:nvPr/>
+        </p:nvGrpSpPr>
+        <p:grpSpPr>
+          <a:xfrm>
+            <a:off x="5471019" y="4198768"/>
+            <a:ext cx="1249960" cy="338554"/>
+            <a:chOff x="5444311" y="1940626"/>
+            <a:chExt cx="1249960" cy="338554"/>
+          </a:xfrm>
+        </p:grpSpPr>
+        <p:sp>
+          <p:nvSpPr>
+            <p:cNvPr id="4" name="四角形: 角を丸くする 3">
+              <a:extLst>
+                <a:ext uri="{FF2B5EF4-FFF2-40B4-BE49-F238E27FC236}">
+                  <a16:creationId xmlns:a16="http://schemas.microsoft.com/office/drawing/2014/main" id="{1FC9BBA0-BA9E-4715-4C18-A6D25F12F016}"/>
+                </a:ext>
+              </a:extLst>
+            </p:cNvPr>
+            <p:cNvSpPr/>
+            <p:nvPr/>
+          </p:nvSpPr>
+          <p:spPr>
+            <a:xfrm>
+              <a:off x="5543548" y="2025295"/>
+              <a:ext cx="1104902" cy="209041"/>
+            </a:xfrm>
+            <a:prstGeom prst="roundRect">
+              <a:avLst>
+                <a:gd name="adj" fmla="val 50000"/>
+              </a:avLst>
+            </a:prstGeom>
+            <a:solidFill>
+              <a:srgbClr val="F24678"/>
+            </a:solidFill>
+            <a:ln>
+              <a:solidFill>
+                <a:srgbClr val="E86287"/>
+              </a:solidFill>
+            </a:ln>
+          </p:spPr>
+          <p:style>
+            <a:lnRef idx="2">
+              <a:schemeClr val="accent1">
+                <a:shade val="50000"/>
+              </a:schemeClr>
+            </a:lnRef>
+            <a:fillRef idx="1">
+              <a:schemeClr val="accent1"/>
+            </a:fillRef>
+            <a:effectRef idx="0">
+              <a:schemeClr val="accent1"/>
+            </a:effectRef>
+            <a:fontRef idx="minor">
+              <a:schemeClr val="lt1"/>
+            </a:fontRef>
+          </p:style>
+          <p:txBody>
+            <a:bodyPr rtlCol="0" anchor="ctr"/>
+            <a:lstStyle/>
+            <a:p>
+              <a:pPr algn="ctr"/>
+              <a:endParaRPr kumimoji="1" lang="ja-JP" altLang="en-US" sz="1600" dirty="0">
+                <a:latin typeface="わんぱくルイカ-０７" panose="02010803020103020304" pitchFamily="2" charset="-128"/>
+                <a:ea typeface="わんぱくルイカ-０７" panose="02010803020103020304" pitchFamily="2" charset="-128"/>
+              </a:endParaRPr>
+            </a:p>
+          </p:txBody>
+        </p:sp>
+        <p:sp>
+          <p:nvSpPr>
+            <p:cNvPr id="5" name="テキスト ボックス 4">
+              <a:extLst>
+                <a:ext uri="{FF2B5EF4-FFF2-40B4-BE49-F238E27FC236}">
+                  <a16:creationId xmlns:a16="http://schemas.microsoft.com/office/drawing/2014/main" id="{FFE5F2A8-EC5C-8B3C-F381-14956882CB32}"/>
+                </a:ext>
+              </a:extLst>
+            </p:cNvPr>
+            <p:cNvSpPr txBox="1"/>
+            <p:nvPr/>
+          </p:nvSpPr>
+          <p:spPr>
+            <a:xfrm>
+              <a:off x="5444311" y="1940626"/>
+              <a:ext cx="1249960" cy="338554"/>
+            </a:xfrm>
+            <a:prstGeom prst="rect">
+              <a:avLst/>
+            </a:prstGeom>
+            <a:noFill/>
+          </p:spPr>
+          <p:txBody>
+            <a:bodyPr wrap="square">
+              <a:spAutoFit/>
+            </a:bodyPr>
+            <a:lstStyle/>
+            <a:p>
+              <a:pPr marL="0" marR="0" lvl="0" indent="0" algn="ctr" defTabSz="914400" rtl="0" eaLnBrk="1" fontAlgn="auto" latinLnBrk="0" hangingPunct="1">
+                <a:lnSpc>
+                  <a:spcPct val="100000"/>
+                </a:lnSpc>
+                <a:spcBef>
+                  <a:spcPts val="0"/>
+                </a:spcBef>
+                <a:spcAft>
+                  <a:spcPts val="0"/>
+                </a:spcAft>
+                <a:buClrTx/>
+                <a:buSzTx/>
+                <a:buFontTx/>
+                <a:buNone/>
+                <a:tabLst/>
+                <a:defRPr/>
+              </a:pPr>
+              <a:r>
+                <a:rPr kumimoji="1" lang="ja-JP" altLang="en-US" sz="1600" b="0" i="0" u="none" strike="noStrike" kern="1200" cap="none" spc="0" normalizeH="0" baseline="0" noProof="0" dirty="0">
+                  <a:ln>
+                    <a:noFill/>
+                  </a:ln>
+                  <a:solidFill>
+                    <a:prstClr val="white"/>
+                  </a:solidFill>
+                  <a:effectLst/>
+                  <a:uLnTx/>
+                  <a:uFillTx/>
+                  <a:latin typeface="わんぱくルイカ-０７" panose="02010803020103020304" pitchFamily="2" charset="-128"/>
+                  <a:ea typeface="わんぱくルイカ-０７" panose="02010803020103020304" pitchFamily="2" charset="-128"/>
+                  <a:cs typeface="+mn-cs"/>
+                </a:rPr>
+                <a:t>↓</a:t>
+              </a:r>
+              <a:r>
+                <a:rPr kumimoji="1" lang="en-US" altLang="ja-JP" sz="1600" b="0" i="0" u="none" strike="noStrike" kern="1200" cap="none" spc="0" normalizeH="0" baseline="0" noProof="0" dirty="0">
+                  <a:ln>
+                    <a:noFill/>
+                  </a:ln>
+                  <a:solidFill>
+                    <a:prstClr val="white"/>
+                  </a:solidFill>
+                  <a:effectLst/>
+                  <a:uLnTx/>
+                  <a:uFillTx/>
+                  <a:latin typeface="わんぱくルイカ-０７" panose="02010803020103020304" pitchFamily="2" charset="-128"/>
+                  <a:ea typeface="わんぱくルイカ-０７" panose="02010803020103020304" pitchFamily="2" charset="-128"/>
+                  <a:cs typeface="+mn-cs"/>
+                </a:rPr>
+                <a:t>NEXT</a:t>
+              </a:r>
+              <a:endParaRPr kumimoji="1" lang="ja-JP" altLang="en-US" sz="1600" b="0" i="0" u="none" strike="noStrike" kern="1200" cap="none" spc="0" normalizeH="0" baseline="0" noProof="0" dirty="0">
+                <a:ln>
+                  <a:noFill/>
+                </a:ln>
+                <a:solidFill>
+                  <a:prstClr val="white"/>
+                </a:solidFill>
+                <a:effectLst/>
+                <a:uLnTx/>
+                <a:uFillTx/>
+                <a:latin typeface="わんぱくルイカ-０７" panose="02010803020103020304" pitchFamily="2" charset="-128"/>
+                <a:ea typeface="わんぱくルイカ-０７" panose="02010803020103020304" pitchFamily="2" charset="-128"/>
+                <a:cs typeface="+mn-cs"/>
+              </a:endParaRPr>
+            </a:p>
+          </p:txBody>
+        </p:sp>
+      </p:grpSp>
+      <p:sp>
+        <p:nvSpPr>
+          <p:cNvPr id="9" name="正方形/長方形 8">
+            <a:extLst>
+              <a:ext uri="{FF2B5EF4-FFF2-40B4-BE49-F238E27FC236}">
+                <a16:creationId xmlns:a16="http://schemas.microsoft.com/office/drawing/2014/main" id="{FCB6CC19-E756-2DFA-0B9C-619D45F667B8}"/>
+              </a:ext>
+            </a:extLst>
+          </p:cNvPr>
+          <p:cNvSpPr/>
+          <p:nvPr/>
+        </p:nvSpPr>
+        <p:spPr>
+          <a:xfrm>
+            <a:off x="9858373" y="0"/>
+            <a:ext cx="2190751" cy="1291259"/>
+          </a:xfrm>
+          <a:prstGeom prst="rect">
+            <a:avLst/>
+          </a:prstGeom>
+          <a:solidFill>
+            <a:srgbClr val="BFBFBF">
+              <a:alpha val="50196"/>
+            </a:srgbClr>
+          </a:solidFill>
+          <a:ln>
+            <a:noFill/>
+          </a:ln>
+        </p:spPr>
+        <p:style>
+          <a:lnRef idx="2">
+            <a:schemeClr val="accent1">
+              <a:shade val="50000"/>
+            </a:schemeClr>
+          </a:lnRef>
+          <a:fillRef idx="1">
+            <a:schemeClr val="accent1"/>
+          </a:fillRef>
+          <a:effectRef idx="0">
+            <a:schemeClr val="accent1"/>
+          </a:effectRef>
+          <a:fontRef idx="minor">
+            <a:schemeClr val="lt1"/>
+          </a:fontRef>
+        </p:style>
+        <p:txBody>
+          <a:bodyPr rtlCol="0" anchor="ctr"/>
+          <a:lstStyle/>
+          <a:p>
+            <a:pPr algn="ctr"/>
+            <a:r>
+              <a:rPr kumimoji="1" lang="ja-JP" altLang="en-US" dirty="0">
+                <a:latin typeface="わんぱくルイカ-０７" panose="02010803020103020304" pitchFamily="2" charset="-128"/>
+                <a:ea typeface="わんぱくルイカ-０７" panose="02010803020103020304" pitchFamily="2" charset="-128"/>
+              </a:rPr>
+              <a:t>ここに</a:t>
+            </a:r>
+            <a:r>
+              <a:rPr lang="ja-JP" altLang="en-US" dirty="0">
+                <a:latin typeface="わんぱくルイカ-０７" panose="02010803020103020304" pitchFamily="2" charset="-128"/>
+                <a:ea typeface="わんぱくルイカ-０７" panose="02010803020103020304" pitchFamily="2" charset="-128"/>
+              </a:rPr>
+              <a:t>ロゴ等を</a:t>
+            </a:r>
+            <a:endParaRPr lang="en-US" altLang="ja-JP" dirty="0">
+              <a:latin typeface="わんぱくルイカ-０７" panose="02010803020103020304" pitchFamily="2" charset="-128"/>
+              <a:ea typeface="わんぱくルイカ-０７" panose="02010803020103020304" pitchFamily="2" charset="-128"/>
+            </a:endParaRPr>
+          </a:p>
+          <a:p>
+            <a:pPr algn="ctr"/>
+            <a:r>
+              <a:rPr lang="ja-JP" altLang="en-US" dirty="0">
+                <a:latin typeface="わんぱくルイカ-０７" panose="02010803020103020304" pitchFamily="2" charset="-128"/>
+                <a:ea typeface="わんぱくルイカ-０７" panose="02010803020103020304" pitchFamily="2" charset="-128"/>
+              </a:rPr>
+              <a:t>置いても良い</a:t>
+            </a:r>
+            <a:endParaRPr kumimoji="1" lang="ja-JP" altLang="en-US" dirty="0">
+              <a:latin typeface="わんぱくルイカ-０７" panose="02010803020103020304" pitchFamily="2" charset="-128"/>
+              <a:ea typeface="わんぱくルイカ-０７" panose="02010803020103020304" pitchFamily="2" charset="-128"/>
+            </a:endParaRPr>
+          </a:p>
+        </p:txBody>
+      </p:sp>
+      <p:sp>
+        <p:nvSpPr>
+          <p:cNvPr id="2" name="四角形: 角を丸くする 1">
+            <a:extLst>
+              <a:ext uri="{FF2B5EF4-FFF2-40B4-BE49-F238E27FC236}">
+                <a16:creationId xmlns:a16="http://schemas.microsoft.com/office/drawing/2014/main" id="{BD1ADC85-75EB-1A9B-EA46-DDD9C855F2E6}"/>
+              </a:ext>
+            </a:extLst>
+          </p:cNvPr>
+          <p:cNvSpPr/>
+          <p:nvPr/>
+        </p:nvSpPr>
+        <p:spPr>
+          <a:xfrm>
+            <a:off x="1936254" y="2449007"/>
+            <a:ext cx="8319492" cy="781396"/>
+          </a:xfrm>
+          <a:prstGeom prst="roundRect">
+            <a:avLst/>
+          </a:prstGeom>
+          <a:solidFill>
+            <a:srgbClr val="7F7F7F"/>
+          </a:solidFill>
+          <a:ln w="38100">
+            <a:solidFill>
+              <a:srgbClr val="7F7F7F"/>
+            </a:solidFill>
+          </a:ln>
+        </p:spPr>
+        <p:style>
+          <a:lnRef idx="2">
+            <a:schemeClr val="accent1">
+              <a:shade val="50000"/>
+            </a:schemeClr>
+          </a:lnRef>
+          <a:fillRef idx="1">
+            <a:schemeClr val="accent1"/>
+          </a:fillRef>
+          <a:effectRef idx="0">
+            <a:schemeClr val="accent1"/>
+          </a:effectRef>
+          <a:fontRef idx="minor">
+            <a:schemeClr val="lt1"/>
+          </a:fontRef>
+        </p:style>
+        <p:txBody>
+          <a:bodyPr rtlCol="0" anchor="ctr"/>
+          <a:lstStyle/>
+          <a:p>
+            <a:pPr algn="ctr"/>
+            <a:r>
+              <a:rPr lang="ja-JP" altLang="en-US" sz="2600" dirty="0">
+                <a:solidFill>
+                  <a:srgbClr val="3C2208"/>
+                </a:solidFill>
+                <a:latin typeface="わんぱくルイカ-０７" panose="02010803020103020304" pitchFamily="2" charset="-128"/>
+                <a:ea typeface="わんぱくルイカ-０７" panose="02010803020103020304" pitchFamily="2" charset="-128"/>
+              </a:rPr>
+              <a:t>章タイトル②</a:t>
+            </a:r>
+            <a:endParaRPr lang="en-US" altLang="ja-JP" sz="2600" dirty="0">
+              <a:solidFill>
+                <a:srgbClr val="3C2208"/>
+              </a:solidFill>
+              <a:latin typeface="わんぱくルイカ-０７" panose="02010803020103020304" pitchFamily="2" charset="-128"/>
+              <a:ea typeface="わんぱくルイカ-０７" panose="02010803020103020304" pitchFamily="2" charset="-128"/>
+            </a:endParaRPr>
+          </a:p>
+          <a:p>
+            <a:pPr algn="ctr"/>
+            <a:r>
+              <a:rPr lang="ja-JP" altLang="en-US" sz="1400" dirty="0">
+                <a:solidFill>
+                  <a:srgbClr val="3C2208"/>
+                </a:solidFill>
+                <a:latin typeface="わんぱくルイカ-０７" panose="02010803020103020304" pitchFamily="2" charset="-128"/>
+                <a:ea typeface="わんぱくルイカ-０７" panose="02010803020103020304" pitchFamily="2" charset="-128"/>
+              </a:rPr>
+              <a:t>第</a:t>
+            </a:r>
+            <a:r>
+              <a:rPr lang="en-US" altLang="ja-JP" sz="1400" dirty="0">
+                <a:solidFill>
+                  <a:srgbClr val="3C2208"/>
+                </a:solidFill>
+                <a:latin typeface="わんぱくルイカ-０７" panose="02010803020103020304" pitchFamily="2" charset="-128"/>
+                <a:ea typeface="わんぱくルイカ-０７" panose="02010803020103020304" pitchFamily="2" charset="-128"/>
+              </a:rPr>
+              <a:t>2</a:t>
+            </a:r>
+            <a:r>
+              <a:rPr lang="ja-JP" altLang="en-US" sz="1400" dirty="0">
+                <a:solidFill>
+                  <a:srgbClr val="3C2208"/>
+                </a:solidFill>
+                <a:latin typeface="わんぱくルイカ-０７" panose="02010803020103020304" pitchFamily="2" charset="-128"/>
+                <a:ea typeface="わんぱくルイカ-０７" panose="02010803020103020304" pitchFamily="2" charset="-128"/>
+              </a:rPr>
+              <a:t>章の詳細テキストを記述</a:t>
+            </a:r>
+          </a:p>
+        </p:txBody>
+      </p:sp>
+      <p:sp>
+        <p:nvSpPr>
+          <p:cNvPr id="11" name="四角形: 角を丸くする 10">
+            <a:extLst>
+              <a:ext uri="{FF2B5EF4-FFF2-40B4-BE49-F238E27FC236}">
+                <a16:creationId xmlns:a16="http://schemas.microsoft.com/office/drawing/2014/main" id="{FA492E4B-D1E9-6CF4-FE30-5AC7E148EE93}"/>
+              </a:ext>
+            </a:extLst>
+          </p:cNvPr>
+          <p:cNvSpPr/>
+          <p:nvPr/>
+        </p:nvSpPr>
+        <p:spPr>
+          <a:xfrm>
+            <a:off x="2214861" y="2661706"/>
+            <a:ext cx="871239" cy="355997"/>
+          </a:xfrm>
+          <a:prstGeom prst="roundRect">
+            <a:avLst>
+              <a:gd name="adj" fmla="val 50000"/>
+            </a:avLst>
+          </a:prstGeom>
+          <a:solidFill>
+            <a:srgbClr val="336109"/>
+          </a:solidFill>
+          <a:ln>
+            <a:solidFill>
+              <a:srgbClr val="336109"/>
+            </a:solidFill>
+          </a:ln>
+        </p:spPr>
+        <p:style>
+          <a:lnRef idx="2">
+            <a:schemeClr val="accent1">
+              <a:shade val="50000"/>
+            </a:schemeClr>
+          </a:lnRef>
+          <a:fillRef idx="1">
+            <a:schemeClr val="accent1"/>
+          </a:fillRef>
+          <a:effectRef idx="0">
+            <a:schemeClr val="accent1"/>
+          </a:effectRef>
+          <a:fontRef idx="minor">
+            <a:schemeClr val="lt1"/>
+          </a:fontRef>
+        </p:style>
+        <p:txBody>
+          <a:bodyPr rot="0" spcFirstLastPara="0" vertOverflow="overflow" horzOverflow="overflow" vert="horz" wrap="square" lIns="74295" tIns="37148" rIns="74295" bIns="37148" numCol="1" spcCol="0" rtlCol="0" fromWordArt="0" anchor="ctr" anchorCtr="0" forceAA="0" compatLnSpc="1">
+            <a:prstTxWarp prst="textNoShape">
+              <a:avLst/>
+            </a:prstTxWarp>
+            <a:noAutofit/>
+          </a:bodyPr>
+          <a:lstStyle/>
+          <a:p>
+            <a:pPr algn="ctr"/>
+            <a:r>
+              <a:rPr lang="ja-JP" altLang="en-US" sz="1600" dirty="0">
+                <a:solidFill>
+                  <a:srgbClr val="7F7F7F"/>
+                </a:solidFill>
+                <a:latin typeface="わんぱくルイカ-０７" panose="02010803020103020304" pitchFamily="2" charset="-128"/>
+                <a:ea typeface="わんぱくルイカ-０７" panose="02010803020103020304" pitchFamily="2" charset="-128"/>
+              </a:rPr>
+              <a:t>その</a:t>
+            </a:r>
+            <a:r>
+              <a:rPr lang="en-US" altLang="ja-JP" sz="1600" dirty="0">
+                <a:solidFill>
+                  <a:srgbClr val="7F7F7F"/>
+                </a:solidFill>
+                <a:latin typeface="わんぱくルイカ-０７" panose="02010803020103020304" pitchFamily="2" charset="-128"/>
+                <a:ea typeface="わんぱくルイカ-０７" panose="02010803020103020304" pitchFamily="2" charset="-128"/>
+              </a:rPr>
+              <a:t>2</a:t>
+            </a:r>
+            <a:endParaRPr lang="ja-JP" altLang="en-US" sz="1600" dirty="0">
+              <a:solidFill>
+                <a:srgbClr val="7F7F7F"/>
+              </a:solidFill>
+              <a:latin typeface="わんぱくルイカ-０７" panose="02010803020103020304" pitchFamily="2" charset="-128"/>
+              <a:ea typeface="わんぱくルイカ-０７" panose="02010803020103020304" pitchFamily="2" charset="-128"/>
+            </a:endParaRPr>
+          </a:p>
+        </p:txBody>
+      </p:sp>
+      <p:sp>
+        <p:nvSpPr>
+          <p:cNvPr id="21" name="四角形: 角を丸くする 20">
+            <a:extLst>
+              <a:ext uri="{FF2B5EF4-FFF2-40B4-BE49-F238E27FC236}">
+                <a16:creationId xmlns:a16="http://schemas.microsoft.com/office/drawing/2014/main" id="{F1870D2D-86B6-951F-639C-195C442CD5C8}"/>
+              </a:ext>
+            </a:extLst>
+          </p:cNvPr>
+          <p:cNvSpPr/>
+          <p:nvPr/>
+        </p:nvSpPr>
+        <p:spPr>
+          <a:xfrm>
+            <a:off x="1936254" y="1311365"/>
+            <a:ext cx="8319492" cy="781396"/>
+          </a:xfrm>
+          <a:prstGeom prst="roundRect">
+            <a:avLst/>
+          </a:prstGeom>
+          <a:solidFill>
+            <a:srgbClr val="7F7F7F"/>
+          </a:solidFill>
+          <a:ln w="38100">
+            <a:solidFill>
+              <a:srgbClr val="797979"/>
+            </a:solidFill>
+          </a:ln>
+        </p:spPr>
+        <p:style>
+          <a:lnRef idx="2">
+            <a:schemeClr val="accent1">
+              <a:shade val="50000"/>
+            </a:schemeClr>
+          </a:lnRef>
+          <a:fillRef idx="1">
+            <a:schemeClr val="accent1"/>
+          </a:fillRef>
+          <a:effectRef idx="0">
+            <a:schemeClr val="accent1"/>
+          </a:effectRef>
+          <a:fontRef idx="minor">
+            <a:schemeClr val="lt1"/>
+          </a:fontRef>
+        </p:style>
+        <p:txBody>
+          <a:bodyPr rtlCol="0" anchor="ctr"/>
+          <a:lstStyle/>
+          <a:p>
+            <a:pPr algn="ctr"/>
+            <a:r>
+              <a:rPr lang="ja-JP" altLang="en-US" sz="2600" dirty="0">
+                <a:solidFill>
+                  <a:srgbClr val="3C2208"/>
+                </a:solidFill>
+                <a:latin typeface="わんぱくルイカ-０７" panose="02010803020103020304" pitchFamily="2" charset="-128"/>
+                <a:ea typeface="わんぱくルイカ-０７" panose="02010803020103020304" pitchFamily="2" charset="-128"/>
+              </a:rPr>
+              <a:t>章タイトル①</a:t>
+            </a:r>
+            <a:endParaRPr lang="en-US" altLang="ja-JP" sz="2600" dirty="0">
+              <a:solidFill>
+                <a:srgbClr val="3C2208"/>
+              </a:solidFill>
+              <a:latin typeface="わんぱくルイカ-０７" panose="02010803020103020304" pitchFamily="2" charset="-128"/>
+              <a:ea typeface="わんぱくルイカ-０７" panose="02010803020103020304" pitchFamily="2" charset="-128"/>
+            </a:endParaRPr>
+          </a:p>
+          <a:p>
+            <a:pPr algn="ctr"/>
+            <a:r>
+              <a:rPr lang="ja-JP" altLang="en-US" sz="1400" dirty="0">
+                <a:solidFill>
+                  <a:srgbClr val="3C2208"/>
+                </a:solidFill>
+                <a:latin typeface="わんぱくルイカ-０７" panose="02010803020103020304" pitchFamily="2" charset="-128"/>
+                <a:ea typeface="わんぱくルイカ-０７" panose="02010803020103020304" pitchFamily="2" charset="-128"/>
+              </a:rPr>
+              <a:t>第</a:t>
+            </a:r>
+            <a:r>
+              <a:rPr lang="en-US" altLang="ja-JP" sz="1400" dirty="0">
+                <a:solidFill>
+                  <a:srgbClr val="3C2208"/>
+                </a:solidFill>
+                <a:latin typeface="わんぱくルイカ-０７" panose="02010803020103020304" pitchFamily="2" charset="-128"/>
+                <a:ea typeface="わんぱくルイカ-０７" panose="02010803020103020304" pitchFamily="2" charset="-128"/>
+              </a:rPr>
+              <a:t>1</a:t>
+            </a:r>
+            <a:r>
+              <a:rPr lang="ja-JP" altLang="en-US" sz="1400" dirty="0">
+                <a:solidFill>
+                  <a:srgbClr val="3C2208"/>
+                </a:solidFill>
+                <a:latin typeface="わんぱくルイカ-０７" panose="02010803020103020304" pitchFamily="2" charset="-128"/>
+                <a:ea typeface="わんぱくルイカ-０７" panose="02010803020103020304" pitchFamily="2" charset="-128"/>
+              </a:rPr>
+              <a:t>章の詳細テキストを記述</a:t>
+            </a:r>
+          </a:p>
+        </p:txBody>
+      </p:sp>
+      <p:sp>
+        <p:nvSpPr>
+          <p:cNvPr id="22" name="四角形: 角を丸くする 21">
+            <a:extLst>
+              <a:ext uri="{FF2B5EF4-FFF2-40B4-BE49-F238E27FC236}">
+                <a16:creationId xmlns:a16="http://schemas.microsoft.com/office/drawing/2014/main" id="{CAD4A1BA-5B36-8728-A595-993D46A02503}"/>
+              </a:ext>
+            </a:extLst>
+          </p:cNvPr>
+          <p:cNvSpPr/>
+          <p:nvPr/>
+        </p:nvSpPr>
+        <p:spPr>
+          <a:xfrm>
+            <a:off x="2214861" y="1524064"/>
+            <a:ext cx="871239" cy="355997"/>
+          </a:xfrm>
+          <a:prstGeom prst="roundRect">
+            <a:avLst>
+              <a:gd name="adj" fmla="val 50000"/>
+            </a:avLst>
+          </a:prstGeom>
+          <a:solidFill>
+            <a:srgbClr val="4A6A1E"/>
+          </a:solidFill>
+          <a:ln>
+            <a:solidFill>
+              <a:srgbClr val="4A6A1E"/>
+            </a:solidFill>
+          </a:ln>
+        </p:spPr>
+        <p:style>
+          <a:lnRef idx="2">
+            <a:schemeClr val="accent1">
+              <a:shade val="50000"/>
+            </a:schemeClr>
+          </a:lnRef>
+          <a:fillRef idx="1">
+            <a:schemeClr val="accent1"/>
+          </a:fillRef>
+          <a:effectRef idx="0">
+            <a:schemeClr val="accent1"/>
+          </a:effectRef>
+          <a:fontRef idx="minor">
+            <a:schemeClr val="lt1"/>
+          </a:fontRef>
+        </p:style>
+        <p:txBody>
+          <a:bodyPr rot="0" spcFirstLastPara="0" vertOverflow="overflow" horzOverflow="overflow" vert="horz" wrap="square" lIns="74295" tIns="37148" rIns="74295" bIns="37148" numCol="1" spcCol="0" rtlCol="0" fromWordArt="0" anchor="ctr" anchorCtr="0" forceAA="0" compatLnSpc="1">
+            <a:prstTxWarp prst="textNoShape">
+              <a:avLst/>
+            </a:prstTxWarp>
+            <a:noAutofit/>
+          </a:bodyPr>
+          <a:lstStyle/>
+          <a:p>
+            <a:pPr algn="ctr"/>
+            <a:r>
+              <a:rPr lang="ja-JP" altLang="en-US" sz="1600" dirty="0">
+                <a:solidFill>
+                  <a:srgbClr val="7F7F7F"/>
+                </a:solidFill>
+                <a:latin typeface="わんぱくルイカ-０７" panose="02010803020103020304" pitchFamily="2" charset="-128"/>
+                <a:ea typeface="わんぱくルイカ-０７" panose="02010803020103020304" pitchFamily="2" charset="-128"/>
+              </a:rPr>
+              <a:t>その</a:t>
+            </a:r>
+            <a:r>
+              <a:rPr lang="en-US" altLang="ja-JP" sz="1600" dirty="0">
+                <a:solidFill>
+                  <a:srgbClr val="7F7F7F"/>
+                </a:solidFill>
+                <a:latin typeface="わんぱくルイカ-０７" panose="02010803020103020304" pitchFamily="2" charset="-128"/>
+                <a:ea typeface="わんぱくルイカ-０７" panose="02010803020103020304" pitchFamily="2" charset="-128"/>
+              </a:rPr>
+              <a:t>1</a:t>
+            </a:r>
+            <a:endParaRPr lang="ja-JP" altLang="en-US" sz="1600" dirty="0">
+              <a:solidFill>
+                <a:srgbClr val="7F7F7F"/>
+              </a:solidFill>
+              <a:latin typeface="わんぱくルイカ-０７" panose="02010803020103020304" pitchFamily="2" charset="-128"/>
+              <a:ea typeface="わんぱくルイカ-０７" panose="02010803020103020304" pitchFamily="2" charset="-128"/>
+            </a:endParaRPr>
+          </a:p>
+        </p:txBody>
+      </p:sp>
+    </p:spTree>
+    <p:extLst>
+      <p:ext uri="{BB962C8B-B14F-4D97-AF65-F5344CB8AC3E}">
+        <p14:creationId xmlns:p14="http://schemas.microsoft.com/office/powerpoint/2010/main" val="711289572"/>
+      </p:ext>
+    </p:extLst>
+  </p:cSld>
+  <p:clrMapOvr>
+    <a:masterClrMapping/>
+  </p:clrMapOvr>
+</p:sld>
+</file>
+
+<file path=ppt/slides/slide11.xml><?xml version="1.0" encoding="utf-8"?>
+<p:sld xmlns:a="http://schemas.openxmlformats.org/drawingml/2006/main" xmlns:r="http://schemas.openxmlformats.org/officeDocument/2006/relationships" xmlns:p="http://schemas.openxmlformats.org/presentationml/2006/main">
+  <p:cSld>
+    <p:spTree>
+      <p:nvGrpSpPr>
+        <p:cNvPr id="1" name=""/>
+        <p:cNvGrpSpPr/>
+        <p:nvPr/>
+      </p:nvGrpSpPr>
+      <p:grpSpPr>
+        <a:xfrm>
+          <a:off x="0" y="0"/>
+          <a:ext cx="0" cy="0"/>
+          <a:chOff x="0" y="0"/>
+          <a:chExt cx="0" cy="0"/>
+        </a:xfrm>
+      </p:grpSpPr>
       <p:sp>
         <p:nvSpPr>
           <p:cNvPr id="2" name="正方形/長方形 1">
@@ -4962,12 +6073,10 @@
           <a:prstGeom prst="roundRect">
             <a:avLst/>
           </a:prstGeom>
-          <a:solidFill>
-            <a:srgbClr val="FDF4CB"/>
-          </a:solidFill>
+          <a:noFill/>
           <a:ln w="38100">
             <a:solidFill>
-              <a:srgbClr val="F6EC9D"/>
+              <a:srgbClr val="F3F3F3"/>
             </a:solidFill>
           </a:ln>
         </p:spPr>
@@ -5741,7 +6850,7 @@
     </p:spTree>
     <p:extLst>
       <p:ext uri="{BB962C8B-B14F-4D97-AF65-F5344CB8AC3E}">
-        <p14:creationId xmlns:p14="http://schemas.microsoft.com/office/powerpoint/2010/main" val="765211861"/>
+        <p14:creationId xmlns:p14="http://schemas.microsoft.com/office/powerpoint/2010/main" val="2741764045"/>
       </p:ext>
     </p:extLst>
   </p:cSld>
@@ -5752,6 +6861,902 @@
 </file>
 
 <file path=ppt/slides/slide3.xml><?xml version="1.0" encoding="utf-8"?>
+<p:sld xmlns:a="http://schemas.openxmlformats.org/drawingml/2006/main" xmlns:r="http://schemas.openxmlformats.org/officeDocument/2006/relationships" xmlns:p="http://schemas.openxmlformats.org/presentationml/2006/main">
+  <p:cSld>
+    <p:spTree>
+      <p:nvGrpSpPr>
+        <p:cNvPr id="1" name=""/>
+        <p:cNvGrpSpPr/>
+        <p:nvPr/>
+      </p:nvGrpSpPr>
+      <p:grpSpPr>
+        <a:xfrm>
+          <a:off x="0" y="0"/>
+          <a:ext cx="0" cy="0"/>
+          <a:chOff x="0" y="0"/>
+          <a:chExt cx="0" cy="0"/>
+        </a:xfrm>
+      </p:grpSpPr>
+      <p:pic>
+        <p:nvPicPr>
+          <p:cNvPr id="10" name="図 9" descr="背景パターン&#10;&#10;自動的に生成された説明">
+            <a:extLst>
+              <a:ext uri="{FF2B5EF4-FFF2-40B4-BE49-F238E27FC236}">
+                <a16:creationId xmlns:a16="http://schemas.microsoft.com/office/drawing/2014/main" id="{BBCA48DB-7467-6ABB-3178-B56DBDBE4040}"/>
+              </a:ext>
+            </a:extLst>
+          </p:cNvPr>
+          <p:cNvPicPr>
+            <a:picLocks noChangeAspect="1"/>
+          </p:cNvPicPr>
+          <p:nvPr/>
+        </p:nvPicPr>
+        <p:blipFill rotWithShape="1">
+          <a:blip r:embed="rId2">
+            <a:extLst>
+              <a:ext uri="{28A0092B-C50C-407E-A947-70E740481C1C}">
+                <a14:useLocalDpi xmlns:a14="http://schemas.microsoft.com/office/drawing/2010/main" val="0"/>
+              </a:ext>
+            </a:extLst>
+          </a:blip>
+          <a:srcRect t="17503"/>
+          <a:stretch/>
+        </p:blipFill>
+        <p:spPr>
+          <a:xfrm>
+            <a:off x="-1" y="-1"/>
+            <a:ext cx="12192000" cy="1310267"/>
+          </a:xfrm>
+          <a:prstGeom prst="rect">
+            <a:avLst/>
+          </a:prstGeom>
+        </p:spPr>
+      </p:pic>
+      <p:pic>
+        <p:nvPicPr>
+          <p:cNvPr id="12" name="図 11" descr="背景パターン&#10;&#10;自動的に生成された説明">
+            <a:extLst>
+              <a:ext uri="{FF2B5EF4-FFF2-40B4-BE49-F238E27FC236}">
+                <a16:creationId xmlns:a16="http://schemas.microsoft.com/office/drawing/2014/main" id="{5D9315C7-2318-501E-A097-37D552B8B8B5}"/>
+              </a:ext>
+            </a:extLst>
+          </p:cNvPr>
+          <p:cNvPicPr>
+            <a:picLocks noChangeAspect="1"/>
+          </p:cNvPicPr>
+          <p:nvPr/>
+        </p:nvPicPr>
+        <p:blipFill rotWithShape="1">
+          <a:blip r:embed="rId3">
+            <a:extLst>
+              <a:ext uri="{28A0092B-C50C-407E-A947-70E740481C1C}">
+                <a14:useLocalDpi xmlns:a14="http://schemas.microsoft.com/office/drawing/2010/main" val="0"/>
+              </a:ext>
+            </a:extLst>
+          </a:blip>
+          <a:srcRect b="14856"/>
+          <a:stretch/>
+        </p:blipFill>
+        <p:spPr>
+          <a:xfrm>
+            <a:off x="0" y="5505687"/>
+            <a:ext cx="12192000" cy="1352313"/>
+          </a:xfrm>
+          <a:prstGeom prst="rect">
+            <a:avLst/>
+          </a:prstGeom>
+        </p:spPr>
+      </p:pic>
+      <p:sp>
+        <p:nvSpPr>
+          <p:cNvPr id="13" name="四角形: 角を丸くする 12">
+            <a:extLst>
+              <a:ext uri="{FF2B5EF4-FFF2-40B4-BE49-F238E27FC236}">
+                <a16:creationId xmlns:a16="http://schemas.microsoft.com/office/drawing/2014/main" id="{21BC7EF3-AFBB-151E-8748-0E5ECB0D55FE}"/>
+              </a:ext>
+            </a:extLst>
+          </p:cNvPr>
+          <p:cNvSpPr/>
+          <p:nvPr/>
+        </p:nvSpPr>
+        <p:spPr>
+          <a:xfrm>
+            <a:off x="1936254" y="1311365"/>
+            <a:ext cx="8319492" cy="781396"/>
+          </a:xfrm>
+          <a:prstGeom prst="roundRect">
+            <a:avLst/>
+          </a:prstGeom>
+          <a:solidFill>
+            <a:srgbClr val="FDF4CB"/>
+          </a:solidFill>
+          <a:ln w="38100">
+            <a:solidFill>
+              <a:srgbClr val="F6EC9D"/>
+            </a:solidFill>
+          </a:ln>
+        </p:spPr>
+        <p:style>
+          <a:lnRef idx="2">
+            <a:schemeClr val="accent1">
+              <a:shade val="50000"/>
+            </a:schemeClr>
+          </a:lnRef>
+          <a:fillRef idx="1">
+            <a:schemeClr val="accent1"/>
+          </a:fillRef>
+          <a:effectRef idx="0">
+            <a:schemeClr val="accent1"/>
+          </a:effectRef>
+          <a:fontRef idx="minor">
+            <a:schemeClr val="lt1"/>
+          </a:fontRef>
+        </p:style>
+        <p:txBody>
+          <a:bodyPr rtlCol="0" anchor="ctr"/>
+          <a:lstStyle/>
+          <a:p>
+            <a:pPr algn="ctr"/>
+            <a:r>
+              <a:rPr lang="ja-JP" altLang="en-US" sz="2600" dirty="0">
+                <a:solidFill>
+                  <a:srgbClr val="794410"/>
+                </a:solidFill>
+                <a:latin typeface="わんぱくルイカ-０７" panose="02010803020103020304" pitchFamily="2" charset="-128"/>
+                <a:ea typeface="わんぱくルイカ-０７" panose="02010803020103020304" pitchFamily="2" charset="-128"/>
+              </a:rPr>
+              <a:t>章タイトル①</a:t>
+            </a:r>
+            <a:endParaRPr lang="en-US" altLang="ja-JP" sz="2600" dirty="0">
+              <a:solidFill>
+                <a:srgbClr val="794410"/>
+              </a:solidFill>
+              <a:latin typeface="わんぱくルイカ-０７" panose="02010803020103020304" pitchFamily="2" charset="-128"/>
+              <a:ea typeface="わんぱくルイカ-０７" panose="02010803020103020304" pitchFamily="2" charset="-128"/>
+            </a:endParaRPr>
+          </a:p>
+          <a:p>
+            <a:pPr algn="ctr"/>
+            <a:r>
+              <a:rPr lang="ja-JP" altLang="en-US" sz="1400" dirty="0">
+                <a:solidFill>
+                  <a:srgbClr val="794410"/>
+                </a:solidFill>
+                <a:latin typeface="わんぱくルイカ-０７" panose="02010803020103020304" pitchFamily="2" charset="-128"/>
+                <a:ea typeface="わんぱくルイカ-０７" panose="02010803020103020304" pitchFamily="2" charset="-128"/>
+              </a:rPr>
+              <a:t>第</a:t>
+            </a:r>
+            <a:r>
+              <a:rPr lang="en-US" altLang="ja-JP" sz="1400" dirty="0">
+                <a:solidFill>
+                  <a:srgbClr val="794410"/>
+                </a:solidFill>
+                <a:latin typeface="わんぱくルイカ-０７" panose="02010803020103020304" pitchFamily="2" charset="-128"/>
+                <a:ea typeface="わんぱくルイカ-０７" panose="02010803020103020304" pitchFamily="2" charset="-128"/>
+              </a:rPr>
+              <a:t>1</a:t>
+            </a:r>
+            <a:r>
+              <a:rPr lang="ja-JP" altLang="en-US" sz="1400" dirty="0">
+                <a:solidFill>
+                  <a:srgbClr val="794410"/>
+                </a:solidFill>
+                <a:latin typeface="わんぱくルイカ-０７" panose="02010803020103020304" pitchFamily="2" charset="-128"/>
+                <a:ea typeface="わんぱくルイカ-０７" panose="02010803020103020304" pitchFamily="2" charset="-128"/>
+              </a:rPr>
+              <a:t>章の詳細テキストを記述</a:t>
+            </a:r>
+          </a:p>
+        </p:txBody>
+      </p:sp>
+      <p:sp>
+        <p:nvSpPr>
+          <p:cNvPr id="14" name="四角形: 角を丸くする 13">
+            <a:extLst>
+              <a:ext uri="{FF2B5EF4-FFF2-40B4-BE49-F238E27FC236}">
+                <a16:creationId xmlns:a16="http://schemas.microsoft.com/office/drawing/2014/main" id="{E04CE44F-FF00-E6F7-5F10-53F9A989ADB1}"/>
+              </a:ext>
+            </a:extLst>
+          </p:cNvPr>
+          <p:cNvSpPr/>
+          <p:nvPr/>
+        </p:nvSpPr>
+        <p:spPr>
+          <a:xfrm>
+            <a:off x="1936254" y="2449007"/>
+            <a:ext cx="8319492" cy="781396"/>
+          </a:xfrm>
+          <a:prstGeom prst="roundRect">
+            <a:avLst/>
+          </a:prstGeom>
+          <a:noFill/>
+          <a:ln w="38100">
+            <a:solidFill>
+              <a:srgbClr val="F3F3F3"/>
+            </a:solidFill>
+          </a:ln>
+        </p:spPr>
+        <p:style>
+          <a:lnRef idx="2">
+            <a:schemeClr val="accent1">
+              <a:shade val="50000"/>
+            </a:schemeClr>
+          </a:lnRef>
+          <a:fillRef idx="1">
+            <a:schemeClr val="accent1"/>
+          </a:fillRef>
+          <a:effectRef idx="0">
+            <a:schemeClr val="accent1"/>
+          </a:effectRef>
+          <a:fontRef idx="minor">
+            <a:schemeClr val="lt1"/>
+          </a:fontRef>
+        </p:style>
+        <p:txBody>
+          <a:bodyPr rtlCol="0" anchor="ctr"/>
+          <a:lstStyle/>
+          <a:p>
+            <a:pPr algn="ctr"/>
+            <a:r>
+              <a:rPr lang="ja-JP" altLang="en-US" sz="2600" dirty="0">
+                <a:solidFill>
+                  <a:srgbClr val="794410"/>
+                </a:solidFill>
+                <a:latin typeface="わんぱくルイカ-０７" panose="02010803020103020304" pitchFamily="2" charset="-128"/>
+                <a:ea typeface="わんぱくルイカ-０７" panose="02010803020103020304" pitchFamily="2" charset="-128"/>
+              </a:rPr>
+              <a:t>章タイトル②</a:t>
+            </a:r>
+            <a:endParaRPr lang="en-US" altLang="ja-JP" sz="2600" dirty="0">
+              <a:solidFill>
+                <a:srgbClr val="794410"/>
+              </a:solidFill>
+              <a:latin typeface="わんぱくルイカ-０７" panose="02010803020103020304" pitchFamily="2" charset="-128"/>
+              <a:ea typeface="わんぱくルイカ-０７" panose="02010803020103020304" pitchFamily="2" charset="-128"/>
+            </a:endParaRPr>
+          </a:p>
+          <a:p>
+            <a:pPr algn="ctr"/>
+            <a:r>
+              <a:rPr lang="ja-JP" altLang="en-US" sz="1400" dirty="0">
+                <a:solidFill>
+                  <a:srgbClr val="794410"/>
+                </a:solidFill>
+                <a:latin typeface="わんぱくルイカ-０７" panose="02010803020103020304" pitchFamily="2" charset="-128"/>
+                <a:ea typeface="わんぱくルイカ-０７" panose="02010803020103020304" pitchFamily="2" charset="-128"/>
+              </a:rPr>
+              <a:t>第</a:t>
+            </a:r>
+            <a:r>
+              <a:rPr lang="en-US" altLang="ja-JP" sz="1400" dirty="0">
+                <a:solidFill>
+                  <a:srgbClr val="794410"/>
+                </a:solidFill>
+                <a:latin typeface="わんぱくルイカ-０７" panose="02010803020103020304" pitchFamily="2" charset="-128"/>
+                <a:ea typeface="わんぱくルイカ-０７" panose="02010803020103020304" pitchFamily="2" charset="-128"/>
+              </a:rPr>
+              <a:t>2</a:t>
+            </a:r>
+            <a:r>
+              <a:rPr lang="ja-JP" altLang="en-US" sz="1400" dirty="0">
+                <a:solidFill>
+                  <a:srgbClr val="794410"/>
+                </a:solidFill>
+                <a:latin typeface="わんぱくルイカ-０７" panose="02010803020103020304" pitchFamily="2" charset="-128"/>
+                <a:ea typeface="わんぱくルイカ-０７" panose="02010803020103020304" pitchFamily="2" charset="-128"/>
+              </a:rPr>
+              <a:t>章の詳細テキストを記述</a:t>
+            </a:r>
+          </a:p>
+        </p:txBody>
+      </p:sp>
+      <p:sp>
+        <p:nvSpPr>
+          <p:cNvPr id="15" name="四角形: 角を丸くする 14">
+            <a:extLst>
+              <a:ext uri="{FF2B5EF4-FFF2-40B4-BE49-F238E27FC236}">
+                <a16:creationId xmlns:a16="http://schemas.microsoft.com/office/drawing/2014/main" id="{41DAA761-169D-3A82-0F57-9474FA512DCB}"/>
+              </a:ext>
+            </a:extLst>
+          </p:cNvPr>
+          <p:cNvSpPr/>
+          <p:nvPr/>
+        </p:nvSpPr>
+        <p:spPr>
+          <a:xfrm>
+            <a:off x="1936254" y="3586649"/>
+            <a:ext cx="8319492" cy="781396"/>
+          </a:xfrm>
+          <a:prstGeom prst="roundRect">
+            <a:avLst/>
+          </a:prstGeom>
+          <a:noFill/>
+          <a:ln w="38100">
+            <a:solidFill>
+              <a:srgbClr val="F3F3F3"/>
+            </a:solidFill>
+          </a:ln>
+        </p:spPr>
+        <p:style>
+          <a:lnRef idx="2">
+            <a:schemeClr val="accent1">
+              <a:shade val="50000"/>
+            </a:schemeClr>
+          </a:lnRef>
+          <a:fillRef idx="1">
+            <a:schemeClr val="accent1"/>
+          </a:fillRef>
+          <a:effectRef idx="0">
+            <a:schemeClr val="accent1"/>
+          </a:effectRef>
+          <a:fontRef idx="minor">
+            <a:schemeClr val="lt1"/>
+          </a:fontRef>
+        </p:style>
+        <p:txBody>
+          <a:bodyPr rtlCol="0" anchor="ctr"/>
+          <a:lstStyle/>
+          <a:p>
+            <a:pPr algn="ctr"/>
+            <a:r>
+              <a:rPr lang="ja-JP" altLang="en-US" sz="2600" dirty="0">
+                <a:solidFill>
+                  <a:srgbClr val="794410"/>
+                </a:solidFill>
+                <a:latin typeface="わんぱくルイカ-０７" panose="02010803020103020304" pitchFamily="2" charset="-128"/>
+                <a:ea typeface="わんぱくルイカ-０７" panose="02010803020103020304" pitchFamily="2" charset="-128"/>
+              </a:rPr>
+              <a:t>章タイトル③</a:t>
+            </a:r>
+            <a:endParaRPr lang="en-US" altLang="ja-JP" sz="2600" dirty="0">
+              <a:solidFill>
+                <a:srgbClr val="794410"/>
+              </a:solidFill>
+              <a:latin typeface="わんぱくルイカ-０７" panose="02010803020103020304" pitchFamily="2" charset="-128"/>
+              <a:ea typeface="わんぱくルイカ-０７" panose="02010803020103020304" pitchFamily="2" charset="-128"/>
+            </a:endParaRPr>
+          </a:p>
+          <a:p>
+            <a:pPr algn="ctr"/>
+            <a:r>
+              <a:rPr lang="ja-JP" altLang="en-US" sz="1400" dirty="0">
+                <a:solidFill>
+                  <a:srgbClr val="794410"/>
+                </a:solidFill>
+                <a:latin typeface="わんぱくルイカ-０７" panose="02010803020103020304" pitchFamily="2" charset="-128"/>
+                <a:ea typeface="わんぱくルイカ-０７" panose="02010803020103020304" pitchFamily="2" charset="-128"/>
+              </a:rPr>
+              <a:t>第</a:t>
+            </a:r>
+            <a:r>
+              <a:rPr lang="en-US" altLang="ja-JP" sz="1400" dirty="0">
+                <a:solidFill>
+                  <a:srgbClr val="794410"/>
+                </a:solidFill>
+                <a:latin typeface="わんぱくルイカ-０７" panose="02010803020103020304" pitchFamily="2" charset="-128"/>
+                <a:ea typeface="わんぱくルイカ-０７" panose="02010803020103020304" pitchFamily="2" charset="-128"/>
+              </a:rPr>
+              <a:t>3</a:t>
+            </a:r>
+            <a:r>
+              <a:rPr lang="ja-JP" altLang="en-US" sz="1400" dirty="0">
+                <a:solidFill>
+                  <a:srgbClr val="794410"/>
+                </a:solidFill>
+                <a:latin typeface="わんぱくルイカ-０７" panose="02010803020103020304" pitchFamily="2" charset="-128"/>
+                <a:ea typeface="わんぱくルイカ-０７" panose="02010803020103020304" pitchFamily="2" charset="-128"/>
+              </a:rPr>
+              <a:t>章の詳細テキストを記述</a:t>
+            </a:r>
+          </a:p>
+        </p:txBody>
+      </p:sp>
+      <p:sp>
+        <p:nvSpPr>
+          <p:cNvPr id="16" name="四角形: 角を丸くする 15">
+            <a:extLst>
+              <a:ext uri="{FF2B5EF4-FFF2-40B4-BE49-F238E27FC236}">
+                <a16:creationId xmlns:a16="http://schemas.microsoft.com/office/drawing/2014/main" id="{37A2FC22-178A-D6F7-3369-9B3F8F1414AA}"/>
+              </a:ext>
+            </a:extLst>
+          </p:cNvPr>
+          <p:cNvSpPr/>
+          <p:nvPr/>
+        </p:nvSpPr>
+        <p:spPr>
+          <a:xfrm>
+            <a:off x="1936254" y="4724291"/>
+            <a:ext cx="8319492" cy="781396"/>
+          </a:xfrm>
+          <a:prstGeom prst="roundRect">
+            <a:avLst/>
+          </a:prstGeom>
+          <a:noFill/>
+          <a:ln w="38100">
+            <a:solidFill>
+              <a:srgbClr val="F3F3F3"/>
+            </a:solidFill>
+          </a:ln>
+        </p:spPr>
+        <p:style>
+          <a:lnRef idx="2">
+            <a:schemeClr val="accent1">
+              <a:shade val="50000"/>
+            </a:schemeClr>
+          </a:lnRef>
+          <a:fillRef idx="1">
+            <a:schemeClr val="accent1"/>
+          </a:fillRef>
+          <a:effectRef idx="0">
+            <a:schemeClr val="accent1"/>
+          </a:effectRef>
+          <a:fontRef idx="minor">
+            <a:schemeClr val="lt1"/>
+          </a:fontRef>
+        </p:style>
+        <p:txBody>
+          <a:bodyPr rtlCol="0" anchor="ctr"/>
+          <a:lstStyle/>
+          <a:p>
+            <a:pPr algn="ctr"/>
+            <a:r>
+              <a:rPr lang="ja-JP" altLang="en-US" sz="2600" dirty="0">
+                <a:solidFill>
+                  <a:srgbClr val="794410"/>
+                </a:solidFill>
+                <a:latin typeface="わんぱくルイカ-０７" panose="02010803020103020304" pitchFamily="2" charset="-128"/>
+                <a:ea typeface="わんぱくルイカ-０７" panose="02010803020103020304" pitchFamily="2" charset="-128"/>
+              </a:rPr>
+              <a:t>章タイトル④</a:t>
+            </a:r>
+          </a:p>
+          <a:p>
+            <a:pPr algn="ctr"/>
+            <a:r>
+              <a:rPr lang="ja-JP" altLang="en-US" sz="1400" dirty="0">
+                <a:solidFill>
+                  <a:srgbClr val="794410"/>
+                </a:solidFill>
+                <a:latin typeface="わんぱくルイカ-０７" panose="02010803020103020304" pitchFamily="2" charset="-128"/>
+                <a:ea typeface="わんぱくルイカ-０７" panose="02010803020103020304" pitchFamily="2" charset="-128"/>
+              </a:rPr>
+              <a:t>第</a:t>
+            </a:r>
+            <a:r>
+              <a:rPr lang="en-US" altLang="ja-JP" sz="1400" dirty="0">
+                <a:solidFill>
+                  <a:srgbClr val="794410"/>
+                </a:solidFill>
+                <a:latin typeface="わんぱくルイカ-０７" panose="02010803020103020304" pitchFamily="2" charset="-128"/>
+                <a:ea typeface="わんぱくルイカ-０７" panose="02010803020103020304" pitchFamily="2" charset="-128"/>
+              </a:rPr>
+              <a:t>4</a:t>
+            </a:r>
+            <a:r>
+              <a:rPr lang="ja-JP" altLang="en-US" sz="1400" dirty="0">
+                <a:solidFill>
+                  <a:srgbClr val="794410"/>
+                </a:solidFill>
+                <a:latin typeface="わんぱくルイカ-０７" panose="02010803020103020304" pitchFamily="2" charset="-128"/>
+                <a:ea typeface="わんぱくルイカ-０７" panose="02010803020103020304" pitchFamily="2" charset="-128"/>
+              </a:rPr>
+              <a:t>章の詳細テキストを記述</a:t>
+            </a:r>
+          </a:p>
+        </p:txBody>
+      </p:sp>
+      <p:sp>
+        <p:nvSpPr>
+          <p:cNvPr id="17" name="四角形: 角を丸くする 16">
+            <a:extLst>
+              <a:ext uri="{FF2B5EF4-FFF2-40B4-BE49-F238E27FC236}">
+                <a16:creationId xmlns:a16="http://schemas.microsoft.com/office/drawing/2014/main" id="{241D0E69-D3CF-50E5-A5E6-EDAAF1C53EAE}"/>
+              </a:ext>
+            </a:extLst>
+          </p:cNvPr>
+          <p:cNvSpPr/>
+          <p:nvPr/>
+        </p:nvSpPr>
+        <p:spPr>
+          <a:xfrm>
+            <a:off x="2214861" y="1524064"/>
+            <a:ext cx="871239" cy="355997"/>
+          </a:xfrm>
+          <a:prstGeom prst="roundRect">
+            <a:avLst>
+              <a:gd name="adj" fmla="val 50000"/>
+            </a:avLst>
+          </a:prstGeom>
+          <a:solidFill>
+            <a:srgbClr val="95D43C"/>
+          </a:solidFill>
+          <a:ln>
+            <a:solidFill>
+              <a:srgbClr val="95D43C"/>
+            </a:solidFill>
+          </a:ln>
+        </p:spPr>
+        <p:style>
+          <a:lnRef idx="2">
+            <a:schemeClr val="accent1">
+              <a:shade val="50000"/>
+            </a:schemeClr>
+          </a:lnRef>
+          <a:fillRef idx="1">
+            <a:schemeClr val="accent1"/>
+          </a:fillRef>
+          <a:effectRef idx="0">
+            <a:schemeClr val="accent1"/>
+          </a:effectRef>
+          <a:fontRef idx="minor">
+            <a:schemeClr val="lt1"/>
+          </a:fontRef>
+        </p:style>
+        <p:txBody>
+          <a:bodyPr rot="0" spcFirstLastPara="0" vertOverflow="overflow" horzOverflow="overflow" vert="horz" wrap="square" lIns="74295" tIns="37148" rIns="74295" bIns="37148" numCol="1" spcCol="0" rtlCol="0" fromWordArt="0" anchor="ctr" anchorCtr="0" forceAA="0" compatLnSpc="1">
+            <a:prstTxWarp prst="textNoShape">
+              <a:avLst/>
+            </a:prstTxWarp>
+            <a:noAutofit/>
+          </a:bodyPr>
+          <a:lstStyle/>
+          <a:p>
+            <a:pPr algn="ctr"/>
+            <a:r>
+              <a:rPr lang="ja-JP" altLang="en-US" sz="1600" dirty="0">
+                <a:latin typeface="わんぱくルイカ-０７" panose="02010803020103020304" pitchFamily="2" charset="-128"/>
+                <a:ea typeface="わんぱくルイカ-０７" panose="02010803020103020304" pitchFamily="2" charset="-128"/>
+              </a:rPr>
+              <a:t>その</a:t>
+            </a:r>
+            <a:r>
+              <a:rPr lang="en-US" altLang="ja-JP" sz="1600" dirty="0">
+                <a:latin typeface="わんぱくルイカ-０７" panose="02010803020103020304" pitchFamily="2" charset="-128"/>
+                <a:ea typeface="わんぱくルイカ-０７" panose="02010803020103020304" pitchFamily="2" charset="-128"/>
+              </a:rPr>
+              <a:t>1</a:t>
+            </a:r>
+            <a:endParaRPr lang="ja-JP" altLang="en-US" sz="1600" dirty="0">
+              <a:latin typeface="わんぱくルイカ-０７" panose="02010803020103020304" pitchFamily="2" charset="-128"/>
+              <a:ea typeface="わんぱくルイカ-０７" panose="02010803020103020304" pitchFamily="2" charset="-128"/>
+            </a:endParaRPr>
+          </a:p>
+        </p:txBody>
+      </p:sp>
+      <p:sp>
+        <p:nvSpPr>
+          <p:cNvPr id="18" name="四角形: 角を丸くする 17">
+            <a:extLst>
+              <a:ext uri="{FF2B5EF4-FFF2-40B4-BE49-F238E27FC236}">
+                <a16:creationId xmlns:a16="http://schemas.microsoft.com/office/drawing/2014/main" id="{98BC228F-83C5-EFA7-4D6D-A868DAC8B28E}"/>
+              </a:ext>
+            </a:extLst>
+          </p:cNvPr>
+          <p:cNvSpPr/>
+          <p:nvPr/>
+        </p:nvSpPr>
+        <p:spPr>
+          <a:xfrm>
+            <a:off x="2214861" y="2661706"/>
+            <a:ext cx="871239" cy="355997"/>
+          </a:xfrm>
+          <a:prstGeom prst="roundRect">
+            <a:avLst>
+              <a:gd name="adj" fmla="val 50000"/>
+            </a:avLst>
+          </a:prstGeom>
+          <a:solidFill>
+            <a:srgbClr val="67C313"/>
+          </a:solidFill>
+          <a:ln>
+            <a:solidFill>
+              <a:srgbClr val="67C313"/>
+            </a:solidFill>
+          </a:ln>
+        </p:spPr>
+        <p:style>
+          <a:lnRef idx="2">
+            <a:schemeClr val="accent1">
+              <a:shade val="50000"/>
+            </a:schemeClr>
+          </a:lnRef>
+          <a:fillRef idx="1">
+            <a:schemeClr val="accent1"/>
+          </a:fillRef>
+          <a:effectRef idx="0">
+            <a:schemeClr val="accent1"/>
+          </a:effectRef>
+          <a:fontRef idx="minor">
+            <a:schemeClr val="lt1"/>
+          </a:fontRef>
+        </p:style>
+        <p:txBody>
+          <a:bodyPr rot="0" spcFirstLastPara="0" vertOverflow="overflow" horzOverflow="overflow" vert="horz" wrap="square" lIns="74295" tIns="37148" rIns="74295" bIns="37148" numCol="1" spcCol="0" rtlCol="0" fromWordArt="0" anchor="ctr" anchorCtr="0" forceAA="0" compatLnSpc="1">
+            <a:prstTxWarp prst="textNoShape">
+              <a:avLst/>
+            </a:prstTxWarp>
+            <a:noAutofit/>
+          </a:bodyPr>
+          <a:lstStyle/>
+          <a:p>
+            <a:pPr algn="ctr"/>
+            <a:r>
+              <a:rPr lang="ja-JP" altLang="en-US" sz="1600" dirty="0">
+                <a:latin typeface="わんぱくルイカ-０７" panose="02010803020103020304" pitchFamily="2" charset="-128"/>
+                <a:ea typeface="わんぱくルイカ-０７" panose="02010803020103020304" pitchFamily="2" charset="-128"/>
+              </a:rPr>
+              <a:t>その</a:t>
+            </a:r>
+            <a:r>
+              <a:rPr lang="en-US" altLang="ja-JP" sz="1600" dirty="0">
+                <a:latin typeface="わんぱくルイカ-０７" panose="02010803020103020304" pitchFamily="2" charset="-128"/>
+                <a:ea typeface="わんぱくルイカ-０７" panose="02010803020103020304" pitchFamily="2" charset="-128"/>
+              </a:rPr>
+              <a:t>2</a:t>
+            </a:r>
+            <a:endParaRPr lang="ja-JP" altLang="en-US" sz="1600" dirty="0">
+              <a:latin typeface="わんぱくルイカ-０７" panose="02010803020103020304" pitchFamily="2" charset="-128"/>
+              <a:ea typeface="わんぱくルイカ-０７" panose="02010803020103020304" pitchFamily="2" charset="-128"/>
+            </a:endParaRPr>
+          </a:p>
+        </p:txBody>
+      </p:sp>
+      <p:sp>
+        <p:nvSpPr>
+          <p:cNvPr id="19" name="四角形: 角を丸くする 18">
+            <a:extLst>
+              <a:ext uri="{FF2B5EF4-FFF2-40B4-BE49-F238E27FC236}">
+                <a16:creationId xmlns:a16="http://schemas.microsoft.com/office/drawing/2014/main" id="{675A98CF-7DEB-262F-BE21-D8666ABDDAA8}"/>
+              </a:ext>
+            </a:extLst>
+          </p:cNvPr>
+          <p:cNvSpPr/>
+          <p:nvPr/>
+        </p:nvSpPr>
+        <p:spPr>
+          <a:xfrm>
+            <a:off x="2214861" y="3799349"/>
+            <a:ext cx="871239" cy="355997"/>
+          </a:xfrm>
+          <a:prstGeom prst="roundRect">
+            <a:avLst>
+              <a:gd name="adj" fmla="val 50000"/>
+            </a:avLst>
+          </a:prstGeom>
+          <a:solidFill>
+            <a:srgbClr val="E86287"/>
+          </a:solidFill>
+          <a:ln>
+            <a:solidFill>
+              <a:srgbClr val="E86287"/>
+            </a:solidFill>
+          </a:ln>
+        </p:spPr>
+        <p:style>
+          <a:lnRef idx="2">
+            <a:schemeClr val="accent1">
+              <a:shade val="50000"/>
+            </a:schemeClr>
+          </a:lnRef>
+          <a:fillRef idx="1">
+            <a:schemeClr val="accent1"/>
+          </a:fillRef>
+          <a:effectRef idx="0">
+            <a:schemeClr val="accent1"/>
+          </a:effectRef>
+          <a:fontRef idx="minor">
+            <a:schemeClr val="lt1"/>
+          </a:fontRef>
+        </p:style>
+        <p:txBody>
+          <a:bodyPr rot="0" spcFirstLastPara="0" vertOverflow="overflow" horzOverflow="overflow" vert="horz" wrap="square" lIns="74295" tIns="37148" rIns="74295" bIns="37148" numCol="1" spcCol="0" rtlCol="0" fromWordArt="0" anchor="ctr" anchorCtr="0" forceAA="0" compatLnSpc="1">
+            <a:prstTxWarp prst="textNoShape">
+              <a:avLst/>
+            </a:prstTxWarp>
+            <a:noAutofit/>
+          </a:bodyPr>
+          <a:lstStyle/>
+          <a:p>
+            <a:pPr algn="ctr"/>
+            <a:r>
+              <a:rPr lang="ja-JP" altLang="en-US" sz="1600" dirty="0">
+                <a:latin typeface="わんぱくルイカ-０７" panose="02010803020103020304" pitchFamily="2" charset="-128"/>
+                <a:ea typeface="わんぱくルイカ-０７" panose="02010803020103020304" pitchFamily="2" charset="-128"/>
+              </a:rPr>
+              <a:t>その</a:t>
+            </a:r>
+            <a:r>
+              <a:rPr lang="en-US" altLang="ja-JP" sz="1600" dirty="0">
+                <a:latin typeface="わんぱくルイカ-０７" panose="02010803020103020304" pitchFamily="2" charset="-128"/>
+                <a:ea typeface="わんぱくルイカ-０７" panose="02010803020103020304" pitchFamily="2" charset="-128"/>
+              </a:rPr>
+              <a:t>3</a:t>
+            </a:r>
+            <a:endParaRPr lang="ja-JP" altLang="en-US" sz="1600" dirty="0">
+              <a:latin typeface="わんぱくルイカ-０７" panose="02010803020103020304" pitchFamily="2" charset="-128"/>
+              <a:ea typeface="わんぱくルイカ-０７" panose="02010803020103020304" pitchFamily="2" charset="-128"/>
+            </a:endParaRPr>
+          </a:p>
+        </p:txBody>
+      </p:sp>
+      <p:sp>
+        <p:nvSpPr>
+          <p:cNvPr id="20" name="四角形: 角を丸くする 19">
+            <a:extLst>
+              <a:ext uri="{FF2B5EF4-FFF2-40B4-BE49-F238E27FC236}">
+                <a16:creationId xmlns:a16="http://schemas.microsoft.com/office/drawing/2014/main" id="{5872D10E-C1D4-BE9A-2AB9-D025A70F269E}"/>
+              </a:ext>
+            </a:extLst>
+          </p:cNvPr>
+          <p:cNvSpPr/>
+          <p:nvPr/>
+        </p:nvSpPr>
+        <p:spPr>
+          <a:xfrm>
+            <a:off x="2214861" y="4936991"/>
+            <a:ext cx="871239" cy="355997"/>
+          </a:xfrm>
+          <a:prstGeom prst="roundRect">
+            <a:avLst>
+              <a:gd name="adj" fmla="val 50000"/>
+            </a:avLst>
+          </a:prstGeom>
+          <a:solidFill>
+            <a:srgbClr val="4A83DE"/>
+          </a:solidFill>
+          <a:ln>
+            <a:solidFill>
+              <a:srgbClr val="4A83DE"/>
+            </a:solidFill>
+          </a:ln>
+        </p:spPr>
+        <p:style>
+          <a:lnRef idx="2">
+            <a:schemeClr val="accent1">
+              <a:shade val="50000"/>
+            </a:schemeClr>
+          </a:lnRef>
+          <a:fillRef idx="1">
+            <a:schemeClr val="accent1"/>
+          </a:fillRef>
+          <a:effectRef idx="0">
+            <a:schemeClr val="accent1"/>
+          </a:effectRef>
+          <a:fontRef idx="minor">
+            <a:schemeClr val="lt1"/>
+          </a:fontRef>
+        </p:style>
+        <p:txBody>
+          <a:bodyPr rot="0" spcFirstLastPara="0" vertOverflow="overflow" horzOverflow="overflow" vert="horz" wrap="square" lIns="74295" tIns="37148" rIns="74295" bIns="37148" numCol="1" spcCol="0" rtlCol="0" fromWordArt="0" anchor="ctr" anchorCtr="0" forceAA="0" compatLnSpc="1">
+            <a:prstTxWarp prst="textNoShape">
+              <a:avLst/>
+            </a:prstTxWarp>
+            <a:noAutofit/>
+          </a:bodyPr>
+          <a:lstStyle/>
+          <a:p>
+            <a:pPr algn="ctr"/>
+            <a:r>
+              <a:rPr lang="ja-JP" altLang="en-US" sz="1600" dirty="0">
+                <a:latin typeface="わんぱくルイカ-０７" panose="02010803020103020304" pitchFamily="2" charset="-128"/>
+                <a:ea typeface="わんぱくルイカ-０７" panose="02010803020103020304" pitchFamily="2" charset="-128"/>
+              </a:rPr>
+              <a:t>その</a:t>
+            </a:r>
+            <a:r>
+              <a:rPr lang="en-US" altLang="ja-JP" sz="1600" dirty="0">
+                <a:latin typeface="わんぱくルイカ-０７" panose="02010803020103020304" pitchFamily="2" charset="-128"/>
+                <a:ea typeface="わんぱくルイカ-０７" panose="02010803020103020304" pitchFamily="2" charset="-128"/>
+              </a:rPr>
+              <a:t>4</a:t>
+            </a:r>
+            <a:endParaRPr lang="ja-JP" altLang="en-US" sz="1600" dirty="0">
+              <a:latin typeface="わんぱくルイカ-０７" panose="02010803020103020304" pitchFamily="2" charset="-128"/>
+              <a:ea typeface="わんぱくルイカ-０７" panose="02010803020103020304" pitchFamily="2" charset="-128"/>
+            </a:endParaRPr>
+          </a:p>
+        </p:txBody>
+      </p:sp>
+      <p:sp>
+        <p:nvSpPr>
+          <p:cNvPr id="3" name="正方形/長方形 2">
+            <a:extLst>
+              <a:ext uri="{FF2B5EF4-FFF2-40B4-BE49-F238E27FC236}">
+                <a16:creationId xmlns:a16="http://schemas.microsoft.com/office/drawing/2014/main" id="{18D8377E-AE68-2599-72C5-A3EFE5C3F643}"/>
+              </a:ext>
+            </a:extLst>
+          </p:cNvPr>
+          <p:cNvSpPr/>
+          <p:nvPr/>
+        </p:nvSpPr>
+        <p:spPr>
+          <a:xfrm>
+            <a:off x="9858373" y="0"/>
+            <a:ext cx="2190751" cy="1291259"/>
+          </a:xfrm>
+          <a:prstGeom prst="rect">
+            <a:avLst/>
+          </a:prstGeom>
+          <a:solidFill>
+            <a:srgbClr val="BFBFBF">
+              <a:alpha val="50196"/>
+            </a:srgbClr>
+          </a:solidFill>
+          <a:ln>
+            <a:noFill/>
+          </a:ln>
+        </p:spPr>
+        <p:style>
+          <a:lnRef idx="2">
+            <a:schemeClr val="accent1">
+              <a:shade val="50000"/>
+            </a:schemeClr>
+          </a:lnRef>
+          <a:fillRef idx="1">
+            <a:schemeClr val="accent1"/>
+          </a:fillRef>
+          <a:effectRef idx="0">
+            <a:schemeClr val="accent1"/>
+          </a:effectRef>
+          <a:fontRef idx="minor">
+            <a:schemeClr val="lt1"/>
+          </a:fontRef>
+        </p:style>
+        <p:txBody>
+          <a:bodyPr rtlCol="0" anchor="ctr"/>
+          <a:lstStyle/>
+          <a:p>
+            <a:pPr algn="ctr"/>
+            <a:r>
+              <a:rPr kumimoji="1" lang="ja-JP" altLang="en-US" dirty="0">
+                <a:latin typeface="わんぱくルイカ-０７" panose="02010803020103020304" pitchFamily="2" charset="-128"/>
+                <a:ea typeface="わんぱくルイカ-０７" panose="02010803020103020304" pitchFamily="2" charset="-128"/>
+              </a:rPr>
+              <a:t>ここに</a:t>
+            </a:r>
+            <a:r>
+              <a:rPr lang="ja-JP" altLang="en-US" dirty="0">
+                <a:latin typeface="わんぱくルイカ-０７" panose="02010803020103020304" pitchFamily="2" charset="-128"/>
+                <a:ea typeface="わんぱくルイカ-０７" panose="02010803020103020304" pitchFamily="2" charset="-128"/>
+              </a:rPr>
+              <a:t>ロゴ等を</a:t>
+            </a:r>
+            <a:endParaRPr lang="en-US" altLang="ja-JP" dirty="0">
+              <a:latin typeface="わんぱくルイカ-０７" panose="02010803020103020304" pitchFamily="2" charset="-128"/>
+              <a:ea typeface="わんぱくルイカ-０７" panose="02010803020103020304" pitchFamily="2" charset="-128"/>
+            </a:endParaRPr>
+          </a:p>
+          <a:p>
+            <a:pPr algn="ctr"/>
+            <a:r>
+              <a:rPr lang="ja-JP" altLang="en-US" dirty="0">
+                <a:latin typeface="わんぱくルイカ-０７" panose="02010803020103020304" pitchFamily="2" charset="-128"/>
+                <a:ea typeface="わんぱくルイカ-０７" panose="02010803020103020304" pitchFamily="2" charset="-128"/>
+              </a:rPr>
+              <a:t>置いても良い</a:t>
+            </a:r>
+            <a:endParaRPr kumimoji="1" lang="ja-JP" altLang="en-US" dirty="0">
+              <a:latin typeface="わんぱくルイカ-０７" panose="02010803020103020304" pitchFamily="2" charset="-128"/>
+              <a:ea typeface="わんぱくルイカ-０７" panose="02010803020103020304" pitchFamily="2" charset="-128"/>
+            </a:endParaRPr>
+          </a:p>
+        </p:txBody>
+      </p:sp>
+    </p:spTree>
+    <p:extLst>
+      <p:ext uri="{BB962C8B-B14F-4D97-AF65-F5344CB8AC3E}">
+        <p14:creationId xmlns:p14="http://schemas.microsoft.com/office/powerpoint/2010/main" val="2628071408"/>
+      </p:ext>
+    </p:extLst>
+  </p:cSld>
+  <p:clrMapOvr>
+    <a:masterClrMapping/>
+  </p:clrMapOvr>
+</p:sld>
+</file>
+
+<file path=ppt/slides/slide4.xml><?xml version="1.0" encoding="utf-8"?>
 <p:sld xmlns:a="http://schemas.openxmlformats.org/drawingml/2006/main" xmlns:r="http://schemas.openxmlformats.org/officeDocument/2006/relationships" xmlns:p="http://schemas.openxmlformats.org/presentationml/2006/main">
   <p:cSld>
     <p:spTree>
@@ -6294,7 +8299,7 @@
 </p:sld>
 </file>
 
-<file path=ppt/slides/slide4.xml><?xml version="1.0" encoding="utf-8"?>
+<file path=ppt/slides/slide5.xml><?xml version="1.0" encoding="utf-8"?>
 <p:sld xmlns:a="http://schemas.openxmlformats.org/drawingml/2006/main" xmlns:r="http://schemas.openxmlformats.org/officeDocument/2006/relationships" xmlns:p="http://schemas.openxmlformats.org/presentationml/2006/main">
   <p:cSld>
     <p:spTree>
@@ -6918,7 +8923,7 @@
 </p:sld>
 </file>
 
-<file path=ppt/slides/slide5.xml><?xml version="1.0" encoding="utf-8"?>
+<file path=ppt/slides/slide6.xml><?xml version="1.0" encoding="utf-8"?>
 <p:sld xmlns:a="http://schemas.openxmlformats.org/drawingml/2006/main" xmlns:r="http://schemas.openxmlformats.org/officeDocument/2006/relationships" xmlns:p="http://schemas.openxmlformats.org/presentationml/2006/main">
   <p:cSld>
     <p:spTree>
@@ -7025,10 +9030,12 @@
           <a:prstGeom prst="roundRect">
             <a:avLst/>
           </a:prstGeom>
-          <a:noFill/>
+          <a:solidFill>
+            <a:srgbClr val="7F7F7F"/>
+          </a:solidFill>
           <a:ln w="38100">
             <a:solidFill>
-              <a:srgbClr val="F3F3F3"/>
+              <a:srgbClr val="797979"/>
             </a:solidFill>
           </a:ln>
         </p:spPr>
@@ -7056,7 +9063,7 @@
             <a:r>
               <a:rPr lang="ja-JP" altLang="en-US" sz="2600" dirty="0">
                 <a:solidFill>
-                  <a:srgbClr val="794410"/>
+                  <a:srgbClr val="3C2208"/>
                 </a:solidFill>
                 <a:latin typeface="わんぱくルイカ-０７" panose="02010803020103020304" pitchFamily="2" charset="-128"/>
                 <a:ea typeface="わんぱくルイカ-０７" panose="02010803020103020304" pitchFamily="2" charset="-128"/>
@@ -7065,7 +9072,7 @@
             </a:r>
             <a:endParaRPr lang="en-US" altLang="ja-JP" sz="2600" dirty="0">
               <a:solidFill>
-                <a:srgbClr val="794410"/>
+                <a:srgbClr val="3C2208"/>
               </a:solidFill>
               <a:latin typeface="わんぱくルイカ-０７" panose="02010803020103020304" pitchFamily="2" charset="-128"/>
               <a:ea typeface="わんぱくルイカ-０７" panose="02010803020103020304" pitchFamily="2" charset="-128"/>
@@ -7076,7 +9083,7 @@
             <a:r>
               <a:rPr lang="ja-JP" altLang="en-US" sz="1400" dirty="0">
                 <a:solidFill>
-                  <a:srgbClr val="794410"/>
+                  <a:srgbClr val="3C2208"/>
                 </a:solidFill>
                 <a:latin typeface="わんぱくルイカ-０７" panose="02010803020103020304" pitchFamily="2" charset="-128"/>
                 <a:ea typeface="わんぱくルイカ-０７" panose="02010803020103020304" pitchFamily="2" charset="-128"/>
@@ -7086,7 +9093,7 @@
             <a:r>
               <a:rPr lang="en-US" altLang="ja-JP" sz="1400" dirty="0">
                 <a:solidFill>
-                  <a:srgbClr val="794410"/>
+                  <a:srgbClr val="3C2208"/>
                 </a:solidFill>
                 <a:latin typeface="わんぱくルイカ-０７" panose="02010803020103020304" pitchFamily="2" charset="-128"/>
                 <a:ea typeface="わんぱくルイカ-０７" panose="02010803020103020304" pitchFamily="2" charset="-128"/>
@@ -7096,7 +9103,7 @@
             <a:r>
               <a:rPr lang="ja-JP" altLang="en-US" sz="1400" dirty="0">
                 <a:solidFill>
-                  <a:srgbClr val="794410"/>
+                  <a:srgbClr val="3C2208"/>
                 </a:solidFill>
                 <a:latin typeface="わんぱくルイカ-０７" panose="02010803020103020304" pitchFamily="2" charset="-128"/>
                 <a:ea typeface="わんぱくルイカ-０７" panose="02010803020103020304" pitchFamily="2" charset="-128"/>
@@ -7427,11 +9434,11 @@
             </a:avLst>
           </a:prstGeom>
           <a:solidFill>
-            <a:srgbClr val="95D43C"/>
+            <a:srgbClr val="4A6A1E"/>
           </a:solidFill>
           <a:ln>
             <a:solidFill>
-              <a:srgbClr val="95D43C"/>
+              <a:srgbClr val="4A6A1E"/>
             </a:solidFill>
           </a:ln>
         </p:spPr>
@@ -7463,6 +9470,9 @@
             <a:pPr algn="ctr"/>
             <a:r>
               <a:rPr lang="ja-JP" altLang="en-US" sz="1600" dirty="0">
+                <a:solidFill>
+                  <a:srgbClr val="7F7F7F"/>
+                </a:solidFill>
                 <a:latin typeface="わんぱくルイカ-０７" panose="02010803020103020304" pitchFamily="2" charset="-128"/>
                 <a:ea typeface="わんぱくルイカ-０７" panose="02010803020103020304" pitchFamily="2" charset="-128"/>
               </a:rPr>
@@ -7470,12 +9480,18 @@
             </a:r>
             <a:r>
               <a:rPr lang="en-US" altLang="ja-JP" sz="1600" dirty="0">
+                <a:solidFill>
+                  <a:srgbClr val="7F7F7F"/>
+                </a:solidFill>
                 <a:latin typeface="わんぱくルイカ-０７" panose="02010803020103020304" pitchFamily="2" charset="-128"/>
                 <a:ea typeface="わんぱくルイカ-０７" panose="02010803020103020304" pitchFamily="2" charset="-128"/>
               </a:rPr>
               <a:t>1</a:t>
             </a:r>
             <a:endParaRPr lang="ja-JP" altLang="en-US" sz="1600" dirty="0">
+              <a:solidFill>
+                <a:srgbClr val="7F7F7F"/>
+              </a:solidFill>
               <a:latin typeface="わんぱくルイカ-０７" panose="02010803020103020304" pitchFamily="2" charset="-128"/>
               <a:ea typeface="わんぱくルイカ-０７" panose="02010803020103020304" pitchFamily="2" charset="-128"/>
             </a:endParaRPr>
@@ -7710,66 +9726,6 @@
               <a:t>4</a:t>
             </a:r>
             <a:endParaRPr lang="ja-JP" altLang="en-US" sz="1600" dirty="0">
-              <a:latin typeface="わんぱくルイカ-０７" panose="02010803020103020304" pitchFamily="2" charset="-128"/>
-              <a:ea typeface="わんぱくルイカ-０７" panose="02010803020103020304" pitchFamily="2" charset="-128"/>
-            </a:endParaRPr>
-          </a:p>
-        </p:txBody>
-      </p:sp>
-      <p:sp>
-        <p:nvSpPr>
-          <p:cNvPr id="31" name="四角形: 角を丸くする 30">
-            <a:extLst>
-              <a:ext uri="{FF2B5EF4-FFF2-40B4-BE49-F238E27FC236}">
-                <a16:creationId xmlns:a16="http://schemas.microsoft.com/office/drawing/2014/main" id="{FCA912CC-A51A-057F-2E46-857D8D31CB15}"/>
-              </a:ext>
-            </a:extLst>
-          </p:cNvPr>
-          <p:cNvSpPr/>
-          <p:nvPr/>
-        </p:nvSpPr>
-        <p:spPr>
-          <a:xfrm>
-            <a:off x="1936253" y="1309393"/>
-            <a:ext cx="8319492" cy="781396"/>
-          </a:xfrm>
-          <a:prstGeom prst="roundRect">
-            <a:avLst/>
-          </a:prstGeom>
-          <a:solidFill>
-            <a:srgbClr val="000000">
-              <a:alpha val="50196"/>
-            </a:srgbClr>
-          </a:solidFill>
-          <a:ln w="38100">
-            <a:noFill/>
-          </a:ln>
-        </p:spPr>
-        <p:style>
-          <a:lnRef idx="2">
-            <a:schemeClr val="accent1">
-              <a:shade val="50000"/>
-            </a:schemeClr>
-          </a:lnRef>
-          <a:fillRef idx="1">
-            <a:schemeClr val="accent1"/>
-          </a:fillRef>
-          <a:effectRef idx="0">
-            <a:schemeClr val="accent1"/>
-          </a:effectRef>
-          <a:fontRef idx="minor">
-            <a:schemeClr val="lt1"/>
-          </a:fontRef>
-        </p:style>
-        <p:txBody>
-          <a:bodyPr rtlCol="0" anchor="ctr"/>
-          <a:lstStyle/>
-          <a:p>
-            <a:pPr algn="ctr"/>
-            <a:endParaRPr lang="ja-JP" altLang="en-US" sz="1400" dirty="0">
-              <a:solidFill>
-                <a:srgbClr val="794410"/>
-              </a:solidFill>
               <a:latin typeface="わんぱくルイカ-０７" panose="02010803020103020304" pitchFamily="2" charset="-128"/>
               <a:ea typeface="わんぱくルイカ-０７" panose="02010803020103020304" pitchFamily="2" charset="-128"/>
             </a:endParaRPr>
@@ -8040,7 +9996,7 @@
     </p:spTree>
     <p:extLst>
       <p:ext uri="{BB962C8B-B14F-4D97-AF65-F5344CB8AC3E}">
-        <p14:creationId xmlns:p14="http://schemas.microsoft.com/office/powerpoint/2010/main" val="3496703945"/>
+        <p14:creationId xmlns:p14="http://schemas.microsoft.com/office/powerpoint/2010/main" val="2644332983"/>
       </p:ext>
     </p:extLst>
   </p:cSld>
@@ -8050,7 +10006,7 @@
 </p:sld>
 </file>
 
-<file path=ppt/slides/slide6.xml><?xml version="1.0" encoding="utf-8"?>
+<file path=ppt/slides/slide7.xml><?xml version="1.0" encoding="utf-8"?>
 <p:sld xmlns:a="http://schemas.openxmlformats.org/drawingml/2006/main" xmlns:r="http://schemas.openxmlformats.org/officeDocument/2006/relationships" xmlns:p="http://schemas.openxmlformats.org/presentationml/2006/main">
   <p:cSld>
     <p:spTree>
@@ -8555,7 +10511,7 @@
 </p:sld>
 </file>
 
-<file path=ppt/slides/slide7.xml><?xml version="1.0" encoding="utf-8"?>
+<file path=ppt/slides/slide8.xml><?xml version="1.0" encoding="utf-8"?>
 <p:sld xmlns:a="http://schemas.openxmlformats.org/drawingml/2006/main" xmlns:r="http://schemas.openxmlformats.org/officeDocument/2006/relationships" xmlns:p="http://schemas.openxmlformats.org/presentationml/2006/main">
   <p:cSld>
     <p:spTree>
@@ -8644,10 +10600,10 @@
       </p:pic>
       <p:sp>
         <p:nvSpPr>
-          <p:cNvPr id="13" name="四角形: 角を丸くする 12">
-            <a:extLst>
-              <a:ext uri="{FF2B5EF4-FFF2-40B4-BE49-F238E27FC236}">
-                <a16:creationId xmlns:a16="http://schemas.microsoft.com/office/drawing/2014/main" id="{21BC7EF3-AFBB-151E-8748-0E5ECB0D55FE}"/>
+          <p:cNvPr id="14" name="四角形: 角を丸くする 13">
+            <a:extLst>
+              <a:ext uri="{FF2B5EF4-FFF2-40B4-BE49-F238E27FC236}">
+                <a16:creationId xmlns:a16="http://schemas.microsoft.com/office/drawing/2014/main" id="{E04CE44F-FF00-E6F7-5F10-53F9A989ADB1}"/>
               </a:ext>
             </a:extLst>
           </p:cNvPr>
@@ -8656,16 +10612,18 @@
         </p:nvSpPr>
         <p:spPr>
           <a:xfrm>
-            <a:off x="1936254" y="1311365"/>
+            <a:off x="1936254" y="2449007"/>
             <a:ext cx="8319492" cy="781396"/>
           </a:xfrm>
           <a:prstGeom prst="roundRect">
             <a:avLst/>
           </a:prstGeom>
-          <a:noFill/>
+          <a:solidFill>
+            <a:srgbClr val="7F7F7F"/>
+          </a:solidFill>
           <a:ln w="38100">
             <a:solidFill>
-              <a:srgbClr val="F3F3F3"/>
+              <a:srgbClr val="7F7F7F"/>
             </a:solidFill>
           </a:ln>
         </p:spPr>
@@ -8693,16 +10651,16 @@
             <a:r>
               <a:rPr lang="ja-JP" altLang="en-US" sz="2600" dirty="0">
                 <a:solidFill>
-                  <a:srgbClr val="794410"/>
-                </a:solidFill>
-                <a:latin typeface="わんぱくルイカ-０７" panose="02010803020103020304" pitchFamily="2" charset="-128"/>
-                <a:ea typeface="わんぱくルイカ-０７" panose="02010803020103020304" pitchFamily="2" charset="-128"/>
-              </a:rPr>
-              <a:t>章タイトル①</a:t>
+                  <a:srgbClr val="3C2208"/>
+                </a:solidFill>
+                <a:latin typeface="わんぱくルイカ-０７" panose="02010803020103020304" pitchFamily="2" charset="-128"/>
+                <a:ea typeface="わんぱくルイカ-０７" panose="02010803020103020304" pitchFamily="2" charset="-128"/>
+              </a:rPr>
+              <a:t>章タイトル②</a:t>
             </a:r>
             <a:endParaRPr lang="en-US" altLang="ja-JP" sz="2600" dirty="0">
               <a:solidFill>
-                <a:srgbClr val="794410"/>
+                <a:srgbClr val="3C2208"/>
               </a:solidFill>
               <a:latin typeface="わんぱくルイカ-０７" panose="02010803020103020304" pitchFamily="2" charset="-128"/>
               <a:ea typeface="わんぱくルイカ-０７" panose="02010803020103020304" pitchFamily="2" charset="-128"/>
@@ -8713,7 +10671,7 @@
             <a:r>
               <a:rPr lang="ja-JP" altLang="en-US" sz="1400" dirty="0">
                 <a:solidFill>
-                  <a:srgbClr val="794410"/>
+                  <a:srgbClr val="3C2208"/>
                 </a:solidFill>
                 <a:latin typeface="わんぱくルイカ-０７" panose="02010803020103020304" pitchFamily="2" charset="-128"/>
                 <a:ea typeface="わんぱくルイカ-０７" panose="02010803020103020304" pitchFamily="2" charset="-128"/>
@@ -8723,118 +10681,17 @@
             <a:r>
               <a:rPr lang="en-US" altLang="ja-JP" sz="1400" dirty="0">
                 <a:solidFill>
-                  <a:srgbClr val="794410"/>
-                </a:solidFill>
-                <a:latin typeface="わんぱくルイカ-０７" panose="02010803020103020304" pitchFamily="2" charset="-128"/>
-                <a:ea typeface="わんぱくルイカ-０７" panose="02010803020103020304" pitchFamily="2" charset="-128"/>
-              </a:rPr>
-              <a:t>1</a:t>
+                  <a:srgbClr val="3C2208"/>
+                </a:solidFill>
+                <a:latin typeface="わんぱくルイカ-０７" panose="02010803020103020304" pitchFamily="2" charset="-128"/>
+                <a:ea typeface="わんぱくルイカ-０７" panose="02010803020103020304" pitchFamily="2" charset="-128"/>
+              </a:rPr>
+              <a:t>2</a:t>
             </a:r>
             <a:r>
               <a:rPr lang="ja-JP" altLang="en-US" sz="1400" dirty="0">
                 <a:solidFill>
-                  <a:srgbClr val="794410"/>
-                </a:solidFill>
-                <a:latin typeface="わんぱくルイカ-０７" panose="02010803020103020304" pitchFamily="2" charset="-128"/>
-                <a:ea typeface="わんぱくルイカ-０７" panose="02010803020103020304" pitchFamily="2" charset="-128"/>
-              </a:rPr>
-              <a:t>章の詳細テキストを記述</a:t>
-            </a:r>
-          </a:p>
-        </p:txBody>
-      </p:sp>
-      <p:sp>
-        <p:nvSpPr>
-          <p:cNvPr id="14" name="四角形: 角を丸くする 13">
-            <a:extLst>
-              <a:ext uri="{FF2B5EF4-FFF2-40B4-BE49-F238E27FC236}">
-                <a16:creationId xmlns:a16="http://schemas.microsoft.com/office/drawing/2014/main" id="{E04CE44F-FF00-E6F7-5F10-53F9A989ADB1}"/>
-              </a:ext>
-            </a:extLst>
-          </p:cNvPr>
-          <p:cNvSpPr/>
-          <p:nvPr/>
-        </p:nvSpPr>
-        <p:spPr>
-          <a:xfrm>
-            <a:off x="1936254" y="2449007"/>
-            <a:ext cx="8319492" cy="781396"/>
-          </a:xfrm>
-          <a:prstGeom prst="roundRect">
-            <a:avLst/>
-          </a:prstGeom>
-          <a:noFill/>
-          <a:ln w="38100">
-            <a:solidFill>
-              <a:srgbClr val="F3F3F3"/>
-            </a:solidFill>
-          </a:ln>
-        </p:spPr>
-        <p:style>
-          <a:lnRef idx="2">
-            <a:schemeClr val="accent1">
-              <a:shade val="50000"/>
-            </a:schemeClr>
-          </a:lnRef>
-          <a:fillRef idx="1">
-            <a:schemeClr val="accent1"/>
-          </a:fillRef>
-          <a:effectRef idx="0">
-            <a:schemeClr val="accent1"/>
-          </a:effectRef>
-          <a:fontRef idx="minor">
-            <a:schemeClr val="lt1"/>
-          </a:fontRef>
-        </p:style>
-        <p:txBody>
-          <a:bodyPr rtlCol="0" anchor="ctr"/>
-          <a:lstStyle/>
-          <a:p>
-            <a:pPr algn="ctr"/>
-            <a:r>
-              <a:rPr lang="ja-JP" altLang="en-US" sz="2600" dirty="0">
-                <a:solidFill>
-                  <a:srgbClr val="794410"/>
-                </a:solidFill>
-                <a:latin typeface="わんぱくルイカ-０７" panose="02010803020103020304" pitchFamily="2" charset="-128"/>
-                <a:ea typeface="わんぱくルイカ-０７" panose="02010803020103020304" pitchFamily="2" charset="-128"/>
-              </a:rPr>
-              <a:t>章タイトル②</a:t>
-            </a:r>
-            <a:endParaRPr lang="en-US" altLang="ja-JP" sz="2600" dirty="0">
-              <a:solidFill>
-                <a:srgbClr val="794410"/>
-              </a:solidFill>
-              <a:latin typeface="わんぱくルイカ-０７" panose="02010803020103020304" pitchFamily="2" charset="-128"/>
-              <a:ea typeface="わんぱくルイカ-０７" panose="02010803020103020304" pitchFamily="2" charset="-128"/>
-            </a:endParaRPr>
-          </a:p>
-          <a:p>
-            <a:pPr algn="ctr"/>
-            <a:r>
-              <a:rPr lang="ja-JP" altLang="en-US" sz="1400" dirty="0">
-                <a:solidFill>
-                  <a:srgbClr val="794410"/>
-                </a:solidFill>
-                <a:latin typeface="わんぱくルイカ-０７" panose="02010803020103020304" pitchFamily="2" charset="-128"/>
-                <a:ea typeface="わんぱくルイカ-０７" panose="02010803020103020304" pitchFamily="2" charset="-128"/>
-              </a:rPr>
-              <a:t>第</a:t>
-            </a:r>
-            <a:r>
-              <a:rPr lang="en-US" altLang="ja-JP" sz="1400" dirty="0">
-                <a:solidFill>
-                  <a:srgbClr val="794410"/>
-                </a:solidFill>
-                <a:latin typeface="わんぱくルイカ-０７" panose="02010803020103020304" pitchFamily="2" charset="-128"/>
-                <a:ea typeface="わんぱくルイカ-０７" panose="02010803020103020304" pitchFamily="2" charset="-128"/>
-              </a:rPr>
-              <a:t>2</a:t>
-            </a:r>
-            <a:r>
-              <a:rPr lang="ja-JP" altLang="en-US" sz="1400" dirty="0">
-                <a:solidFill>
-                  <a:srgbClr val="794410"/>
+                  <a:srgbClr val="3C2208"/>
                 </a:solidFill>
                 <a:latin typeface="わんぱくルイカ-０７" panose="02010803020103020304" pitchFamily="2" charset="-128"/>
                 <a:ea typeface="わんぱくルイカ-０７" panose="02010803020103020304" pitchFamily="2" charset="-128"/>
@@ -9043,10 +10900,10 @@
       </p:sp>
       <p:sp>
         <p:nvSpPr>
-          <p:cNvPr id="17" name="四角形: 角を丸くする 16">
-            <a:extLst>
-              <a:ext uri="{FF2B5EF4-FFF2-40B4-BE49-F238E27FC236}">
-                <a16:creationId xmlns:a16="http://schemas.microsoft.com/office/drawing/2014/main" id="{241D0E69-D3CF-50E5-A5E6-EDAAF1C53EAE}"/>
+          <p:cNvPr id="18" name="四角形: 角を丸くする 17">
+            <a:extLst>
+              <a:ext uri="{FF2B5EF4-FFF2-40B4-BE49-F238E27FC236}">
+                <a16:creationId xmlns:a16="http://schemas.microsoft.com/office/drawing/2014/main" id="{98BC228F-83C5-EFA7-4D6D-A868DAC8B28E}"/>
               </a:ext>
             </a:extLst>
           </p:cNvPr>
@@ -9055,7 +10912,7 @@
         </p:nvSpPr>
         <p:spPr>
           <a:xfrm>
-            <a:off x="2214861" y="1524064"/>
+            <a:off x="2214861" y="2661706"/>
             <a:ext cx="871239" cy="355997"/>
           </a:xfrm>
           <a:prstGeom prst="roundRect">
@@ -9064,11 +10921,11 @@
             </a:avLst>
           </a:prstGeom>
           <a:solidFill>
-            <a:srgbClr val="95D43C"/>
+            <a:srgbClr val="336109"/>
           </a:solidFill>
           <a:ln>
             <a:solidFill>
-              <a:srgbClr val="95D43C"/>
+              <a:srgbClr val="336109"/>
             </a:solidFill>
           </a:ln>
         </p:spPr>
@@ -9100,6 +10957,9 @@
             <a:pPr algn="ctr"/>
             <a:r>
               <a:rPr lang="ja-JP" altLang="en-US" sz="1600" dirty="0">
+                <a:solidFill>
+                  <a:srgbClr val="7F7F7F"/>
+                </a:solidFill>
                 <a:latin typeface="わんぱくルイカ-０７" panose="02010803020103020304" pitchFamily="2" charset="-128"/>
                 <a:ea typeface="わんぱくルイカ-０７" panose="02010803020103020304" pitchFamily="2" charset="-128"/>
               </a:rPr>
@@ -9107,90 +10967,18 @@
             </a:r>
             <a:r>
               <a:rPr lang="en-US" altLang="ja-JP" sz="1600" dirty="0">
-                <a:latin typeface="わんぱくルイカ-０７" panose="02010803020103020304" pitchFamily="2" charset="-128"/>
-                <a:ea typeface="わんぱくルイカ-０７" panose="02010803020103020304" pitchFamily="2" charset="-128"/>
-              </a:rPr>
-              <a:t>1</a:t>
+                <a:solidFill>
+                  <a:srgbClr val="7F7F7F"/>
+                </a:solidFill>
+                <a:latin typeface="わんぱくルイカ-０７" panose="02010803020103020304" pitchFamily="2" charset="-128"/>
+                <a:ea typeface="わんぱくルイカ-０７" panose="02010803020103020304" pitchFamily="2" charset="-128"/>
+              </a:rPr>
+              <a:t>2</a:t>
             </a:r>
             <a:endParaRPr lang="ja-JP" altLang="en-US" sz="1600" dirty="0">
-              <a:latin typeface="わんぱくルイカ-０７" panose="02010803020103020304" pitchFamily="2" charset="-128"/>
-              <a:ea typeface="わんぱくルイカ-０７" panose="02010803020103020304" pitchFamily="2" charset="-128"/>
-            </a:endParaRPr>
-          </a:p>
-        </p:txBody>
-      </p:sp>
-      <p:sp>
-        <p:nvSpPr>
-          <p:cNvPr id="18" name="四角形: 角を丸くする 17">
-            <a:extLst>
-              <a:ext uri="{FF2B5EF4-FFF2-40B4-BE49-F238E27FC236}">
-                <a16:creationId xmlns:a16="http://schemas.microsoft.com/office/drawing/2014/main" id="{98BC228F-83C5-EFA7-4D6D-A868DAC8B28E}"/>
-              </a:ext>
-            </a:extLst>
-          </p:cNvPr>
-          <p:cNvSpPr/>
-          <p:nvPr/>
-        </p:nvSpPr>
-        <p:spPr>
-          <a:xfrm>
-            <a:off x="2214861" y="2661706"/>
-            <a:ext cx="871239" cy="355997"/>
-          </a:xfrm>
-          <a:prstGeom prst="roundRect">
-            <a:avLst>
-              <a:gd name="adj" fmla="val 50000"/>
-            </a:avLst>
-          </a:prstGeom>
-          <a:solidFill>
-            <a:srgbClr val="67C313"/>
-          </a:solidFill>
-          <a:ln>
-            <a:solidFill>
-              <a:srgbClr val="67C313"/>
-            </a:solidFill>
-          </a:ln>
-        </p:spPr>
-        <p:style>
-          <a:lnRef idx="2">
-            <a:schemeClr val="accent1">
-              <a:shade val="50000"/>
-            </a:schemeClr>
-          </a:lnRef>
-          <a:fillRef idx="1">
-            <a:schemeClr val="accent1"/>
-          </a:fillRef>
-          <a:effectRef idx="0">
-            <a:schemeClr val="accent1"/>
-          </a:effectRef>
-          <a:fontRef idx="minor">
-            <a:schemeClr val="lt1"/>
-          </a:fontRef>
-        </p:style>
-        <p:txBody>
-          <a:bodyPr rot="0" spcFirstLastPara="0" vertOverflow="overflow" horzOverflow="overflow" vert="horz" wrap="square" lIns="74295" tIns="37148" rIns="74295" bIns="37148" numCol="1" spcCol="0" rtlCol="0" fromWordArt="0" anchor="ctr" anchorCtr="0" forceAA="0" compatLnSpc="1">
-            <a:prstTxWarp prst="textNoShape">
-              <a:avLst/>
-            </a:prstTxWarp>
-            <a:noAutofit/>
-          </a:bodyPr>
-          <a:lstStyle/>
-          <a:p>
-            <a:pPr algn="ctr"/>
-            <a:r>
-              <a:rPr lang="ja-JP" altLang="en-US" sz="1600" dirty="0">
-                <a:latin typeface="わんぱくルイカ-０７" panose="02010803020103020304" pitchFamily="2" charset="-128"/>
-                <a:ea typeface="わんぱくルイカ-０７" panose="02010803020103020304" pitchFamily="2" charset="-128"/>
-              </a:rPr>
-              <a:t>その</a:t>
-            </a:r>
-            <a:r>
-              <a:rPr lang="en-US" altLang="ja-JP" sz="1600" dirty="0">
-                <a:latin typeface="わんぱくルイカ-０７" panose="02010803020103020304" pitchFamily="2" charset="-128"/>
-                <a:ea typeface="わんぱくルイカ-０７" panose="02010803020103020304" pitchFamily="2" charset="-128"/>
-              </a:rPr>
-              <a:t>2</a:t>
-            </a:r>
-            <a:endParaRPr lang="ja-JP" altLang="en-US" sz="1600" dirty="0">
+              <a:solidFill>
+                <a:srgbClr val="7F7F7F"/>
+              </a:solidFill>
               <a:latin typeface="わんぱくルイカ-０７" panose="02010803020103020304" pitchFamily="2" charset="-128"/>
               <a:ea typeface="わんぱくルイカ-０７" panose="02010803020103020304" pitchFamily="2" charset="-128"/>
             </a:endParaRPr>
@@ -9347,66 +11135,6 @@
               <a:t>4</a:t>
             </a:r>
             <a:endParaRPr lang="ja-JP" altLang="en-US" sz="1600" dirty="0">
-              <a:latin typeface="わんぱくルイカ-０７" panose="02010803020103020304" pitchFamily="2" charset="-128"/>
-              <a:ea typeface="わんぱくルイカ-０７" panose="02010803020103020304" pitchFamily="2" charset="-128"/>
-            </a:endParaRPr>
-          </a:p>
-        </p:txBody>
-      </p:sp>
-      <p:sp>
-        <p:nvSpPr>
-          <p:cNvPr id="7" name="四角形: 角を丸くする 6">
-            <a:extLst>
-              <a:ext uri="{FF2B5EF4-FFF2-40B4-BE49-F238E27FC236}">
-                <a16:creationId xmlns:a16="http://schemas.microsoft.com/office/drawing/2014/main" id="{35AA70CF-A0FF-0FB4-24A1-4C419C32BE02}"/>
-              </a:ext>
-            </a:extLst>
-          </p:cNvPr>
-          <p:cNvSpPr/>
-          <p:nvPr/>
-        </p:nvSpPr>
-        <p:spPr>
-          <a:xfrm>
-            <a:off x="1936253" y="2447035"/>
-            <a:ext cx="8319492" cy="781396"/>
-          </a:xfrm>
-          <a:prstGeom prst="roundRect">
-            <a:avLst/>
-          </a:prstGeom>
-          <a:solidFill>
-            <a:srgbClr val="000000">
-              <a:alpha val="50196"/>
-            </a:srgbClr>
-          </a:solidFill>
-          <a:ln w="38100">
-            <a:noFill/>
-          </a:ln>
-        </p:spPr>
-        <p:style>
-          <a:lnRef idx="2">
-            <a:schemeClr val="accent1">
-              <a:shade val="50000"/>
-            </a:schemeClr>
-          </a:lnRef>
-          <a:fillRef idx="1">
-            <a:schemeClr val="accent1"/>
-          </a:fillRef>
-          <a:effectRef idx="0">
-            <a:schemeClr val="accent1"/>
-          </a:effectRef>
-          <a:fontRef idx="minor">
-            <a:schemeClr val="lt1"/>
-          </a:fontRef>
-        </p:style>
-        <p:txBody>
-          <a:bodyPr rtlCol="0" anchor="ctr"/>
-          <a:lstStyle/>
-          <a:p>
-            <a:pPr algn="ctr"/>
-            <a:endParaRPr lang="ja-JP" altLang="en-US" sz="1400" dirty="0">
-              <a:solidFill>
-                <a:srgbClr val="794410"/>
-              </a:solidFill>
               <a:latin typeface="わんぱくルイカ-０７" panose="02010803020103020304" pitchFamily="2" charset="-128"/>
               <a:ea typeface="わんぱくルイカ-０７" panose="02010803020103020304" pitchFamily="2" charset="-128"/>
             </a:endParaRPr>
@@ -9591,66 +11319,6 @@
       </p:grpSp>
       <p:sp>
         <p:nvSpPr>
-          <p:cNvPr id="6" name="四角形: 角を丸くする 5">
-            <a:extLst>
-              <a:ext uri="{FF2B5EF4-FFF2-40B4-BE49-F238E27FC236}">
-                <a16:creationId xmlns:a16="http://schemas.microsoft.com/office/drawing/2014/main" id="{402E0FEB-0212-1591-0CBC-02D2CC61F84E}"/>
-              </a:ext>
-            </a:extLst>
-          </p:cNvPr>
-          <p:cNvSpPr/>
-          <p:nvPr/>
-        </p:nvSpPr>
-        <p:spPr>
-          <a:xfrm>
-            <a:off x="1936253" y="1309393"/>
-            <a:ext cx="8319492" cy="781396"/>
-          </a:xfrm>
-          <a:prstGeom prst="roundRect">
-            <a:avLst/>
-          </a:prstGeom>
-          <a:solidFill>
-            <a:srgbClr val="000000">
-              <a:alpha val="50196"/>
-            </a:srgbClr>
-          </a:solidFill>
-          <a:ln w="38100">
-            <a:noFill/>
-          </a:ln>
-        </p:spPr>
-        <p:style>
-          <a:lnRef idx="2">
-            <a:schemeClr val="accent1">
-              <a:shade val="50000"/>
-            </a:schemeClr>
-          </a:lnRef>
-          <a:fillRef idx="1">
-            <a:schemeClr val="accent1"/>
-          </a:fillRef>
-          <a:effectRef idx="0">
-            <a:schemeClr val="accent1"/>
-          </a:effectRef>
-          <a:fontRef idx="minor">
-            <a:schemeClr val="lt1"/>
-          </a:fontRef>
-        </p:style>
-        <p:txBody>
-          <a:bodyPr rtlCol="0" anchor="ctr"/>
-          <a:lstStyle/>
-          <a:p>
-            <a:pPr algn="ctr"/>
-            <a:endParaRPr lang="ja-JP" altLang="en-US" sz="1400" dirty="0">
-              <a:solidFill>
-                <a:srgbClr val="794410"/>
-              </a:solidFill>
-              <a:latin typeface="わんぱくルイカ-０７" panose="02010803020103020304" pitchFamily="2" charset="-128"/>
-              <a:ea typeface="わんぱくルイカ-０７" panose="02010803020103020304" pitchFamily="2" charset="-128"/>
-            </a:endParaRPr>
-          </a:p>
-        </p:txBody>
-      </p:sp>
-      <p:sp>
-        <p:nvSpPr>
           <p:cNvPr id="8" name="正方形/長方形 7">
             <a:extLst>
               <a:ext uri="{FF2B5EF4-FFF2-40B4-BE49-F238E27FC236}">
@@ -9734,10 +11402,200 @@
           </a:p>
         </p:txBody>
       </p:sp>
+      <p:sp>
+        <p:nvSpPr>
+          <p:cNvPr id="2" name="四角形: 角を丸くする 1">
+            <a:extLst>
+              <a:ext uri="{FF2B5EF4-FFF2-40B4-BE49-F238E27FC236}">
+                <a16:creationId xmlns:a16="http://schemas.microsoft.com/office/drawing/2014/main" id="{1579A7E3-76D0-6E3D-DE06-5BF5B5C1DAEE}"/>
+              </a:ext>
+            </a:extLst>
+          </p:cNvPr>
+          <p:cNvSpPr/>
+          <p:nvPr/>
+        </p:nvSpPr>
+        <p:spPr>
+          <a:xfrm>
+            <a:off x="1936254" y="1311365"/>
+            <a:ext cx="8319492" cy="781396"/>
+          </a:xfrm>
+          <a:prstGeom prst="roundRect">
+            <a:avLst/>
+          </a:prstGeom>
+          <a:solidFill>
+            <a:srgbClr val="7F7F7F"/>
+          </a:solidFill>
+          <a:ln w="38100">
+            <a:solidFill>
+              <a:srgbClr val="797979"/>
+            </a:solidFill>
+          </a:ln>
+        </p:spPr>
+        <p:style>
+          <a:lnRef idx="2">
+            <a:schemeClr val="accent1">
+              <a:shade val="50000"/>
+            </a:schemeClr>
+          </a:lnRef>
+          <a:fillRef idx="1">
+            <a:schemeClr val="accent1"/>
+          </a:fillRef>
+          <a:effectRef idx="0">
+            <a:schemeClr val="accent1"/>
+          </a:effectRef>
+          <a:fontRef idx="minor">
+            <a:schemeClr val="lt1"/>
+          </a:fontRef>
+        </p:style>
+        <p:txBody>
+          <a:bodyPr rtlCol="0" anchor="ctr"/>
+          <a:lstStyle/>
+          <a:p>
+            <a:pPr algn="ctr"/>
+            <a:r>
+              <a:rPr lang="ja-JP" altLang="en-US" sz="2600" dirty="0">
+                <a:solidFill>
+                  <a:srgbClr val="3C2208"/>
+                </a:solidFill>
+                <a:latin typeface="わんぱくルイカ-０７" panose="02010803020103020304" pitchFamily="2" charset="-128"/>
+                <a:ea typeface="わんぱくルイカ-０７" panose="02010803020103020304" pitchFamily="2" charset="-128"/>
+              </a:rPr>
+              <a:t>章タイトル①</a:t>
+            </a:r>
+            <a:endParaRPr lang="en-US" altLang="ja-JP" sz="2600" dirty="0">
+              <a:solidFill>
+                <a:srgbClr val="3C2208"/>
+              </a:solidFill>
+              <a:latin typeface="わんぱくルイカ-０７" panose="02010803020103020304" pitchFamily="2" charset="-128"/>
+              <a:ea typeface="わんぱくルイカ-０７" panose="02010803020103020304" pitchFamily="2" charset="-128"/>
+            </a:endParaRPr>
+          </a:p>
+          <a:p>
+            <a:pPr algn="ctr"/>
+            <a:r>
+              <a:rPr lang="ja-JP" altLang="en-US" sz="1400" dirty="0">
+                <a:solidFill>
+                  <a:srgbClr val="3C2208"/>
+                </a:solidFill>
+                <a:latin typeface="わんぱくルイカ-０７" panose="02010803020103020304" pitchFamily="2" charset="-128"/>
+                <a:ea typeface="わんぱくルイカ-０７" panose="02010803020103020304" pitchFamily="2" charset="-128"/>
+              </a:rPr>
+              <a:t>第</a:t>
+            </a:r>
+            <a:r>
+              <a:rPr lang="en-US" altLang="ja-JP" sz="1400" dirty="0">
+                <a:solidFill>
+                  <a:srgbClr val="3C2208"/>
+                </a:solidFill>
+                <a:latin typeface="わんぱくルイカ-０７" panose="02010803020103020304" pitchFamily="2" charset="-128"/>
+                <a:ea typeface="わんぱくルイカ-０７" panose="02010803020103020304" pitchFamily="2" charset="-128"/>
+              </a:rPr>
+              <a:t>1</a:t>
+            </a:r>
+            <a:r>
+              <a:rPr lang="ja-JP" altLang="en-US" sz="1400" dirty="0">
+                <a:solidFill>
+                  <a:srgbClr val="3C2208"/>
+                </a:solidFill>
+                <a:latin typeface="わんぱくルイカ-０７" panose="02010803020103020304" pitchFamily="2" charset="-128"/>
+                <a:ea typeface="わんぱくルイカ-０７" panose="02010803020103020304" pitchFamily="2" charset="-128"/>
+              </a:rPr>
+              <a:t>章の詳細テキストを記述</a:t>
+            </a:r>
+          </a:p>
+        </p:txBody>
+      </p:sp>
+      <p:sp>
+        <p:nvSpPr>
+          <p:cNvPr id="9" name="四角形: 角を丸くする 8">
+            <a:extLst>
+              <a:ext uri="{FF2B5EF4-FFF2-40B4-BE49-F238E27FC236}">
+                <a16:creationId xmlns:a16="http://schemas.microsoft.com/office/drawing/2014/main" id="{E705D5CC-1D38-97CA-CF3B-B26E3751DA09}"/>
+              </a:ext>
+            </a:extLst>
+          </p:cNvPr>
+          <p:cNvSpPr/>
+          <p:nvPr/>
+        </p:nvSpPr>
+        <p:spPr>
+          <a:xfrm>
+            <a:off x="2214861" y="1524064"/>
+            <a:ext cx="871239" cy="355997"/>
+          </a:xfrm>
+          <a:prstGeom prst="roundRect">
+            <a:avLst>
+              <a:gd name="adj" fmla="val 50000"/>
+            </a:avLst>
+          </a:prstGeom>
+          <a:solidFill>
+            <a:srgbClr val="4A6A1E"/>
+          </a:solidFill>
+          <a:ln>
+            <a:solidFill>
+              <a:srgbClr val="4A6A1E"/>
+            </a:solidFill>
+          </a:ln>
+        </p:spPr>
+        <p:style>
+          <a:lnRef idx="2">
+            <a:schemeClr val="accent1">
+              <a:shade val="50000"/>
+            </a:schemeClr>
+          </a:lnRef>
+          <a:fillRef idx="1">
+            <a:schemeClr val="accent1"/>
+          </a:fillRef>
+          <a:effectRef idx="0">
+            <a:schemeClr val="accent1"/>
+          </a:effectRef>
+          <a:fontRef idx="minor">
+            <a:schemeClr val="lt1"/>
+          </a:fontRef>
+        </p:style>
+        <p:txBody>
+          <a:bodyPr rot="0" spcFirstLastPara="0" vertOverflow="overflow" horzOverflow="overflow" vert="horz" wrap="square" lIns="74295" tIns="37148" rIns="74295" bIns="37148" numCol="1" spcCol="0" rtlCol="0" fromWordArt="0" anchor="ctr" anchorCtr="0" forceAA="0" compatLnSpc="1">
+            <a:prstTxWarp prst="textNoShape">
+              <a:avLst/>
+            </a:prstTxWarp>
+            <a:noAutofit/>
+          </a:bodyPr>
+          <a:lstStyle/>
+          <a:p>
+            <a:pPr algn="ctr"/>
+            <a:r>
+              <a:rPr lang="ja-JP" altLang="en-US" sz="1600" dirty="0">
+                <a:solidFill>
+                  <a:srgbClr val="7F7F7F"/>
+                </a:solidFill>
+                <a:latin typeface="わんぱくルイカ-０７" panose="02010803020103020304" pitchFamily="2" charset="-128"/>
+                <a:ea typeface="わんぱくルイカ-０７" panose="02010803020103020304" pitchFamily="2" charset="-128"/>
+              </a:rPr>
+              <a:t>その</a:t>
+            </a:r>
+            <a:r>
+              <a:rPr lang="en-US" altLang="ja-JP" sz="1600" dirty="0">
+                <a:solidFill>
+                  <a:srgbClr val="7F7F7F"/>
+                </a:solidFill>
+                <a:latin typeface="わんぱくルイカ-０７" panose="02010803020103020304" pitchFamily="2" charset="-128"/>
+                <a:ea typeface="わんぱくルイカ-０７" panose="02010803020103020304" pitchFamily="2" charset="-128"/>
+              </a:rPr>
+              <a:t>1</a:t>
+            </a:r>
+            <a:endParaRPr lang="ja-JP" altLang="en-US" sz="1600" dirty="0">
+              <a:solidFill>
+                <a:srgbClr val="7F7F7F"/>
+              </a:solidFill>
+              <a:latin typeface="わんぱくルイカ-０７" panose="02010803020103020304" pitchFamily="2" charset="-128"/>
+              <a:ea typeface="わんぱくルイカ-０７" panose="02010803020103020304" pitchFamily="2" charset="-128"/>
+            </a:endParaRPr>
+          </a:p>
+        </p:txBody>
+      </p:sp>
     </p:spTree>
     <p:extLst>
       <p:ext uri="{BB962C8B-B14F-4D97-AF65-F5344CB8AC3E}">
-        <p14:creationId xmlns:p14="http://schemas.microsoft.com/office/powerpoint/2010/main" val="3989459875"/>
+        <p14:creationId xmlns:p14="http://schemas.microsoft.com/office/powerpoint/2010/main" val="4201886362"/>
       </p:ext>
     </p:extLst>
   </p:cSld>
@@ -9747,7 +11605,7 @@
 </p:sld>
 </file>
 
-<file path=ppt/slides/slide8.xml><?xml version="1.0" encoding="utf-8"?>
+<file path=ppt/slides/slide9.xml><?xml version="1.0" encoding="utf-8"?>
 <p:sld xmlns:a="http://schemas.openxmlformats.org/drawingml/2006/main" xmlns:r="http://schemas.openxmlformats.org/officeDocument/2006/relationships" xmlns:p="http://schemas.openxmlformats.org/presentationml/2006/main">
   <p:cSld>
     <p:spTree>
@@ -10106,1258 +11964,6 @@
     <p:extLst>
       <p:ext uri="{BB962C8B-B14F-4D97-AF65-F5344CB8AC3E}">
         <p14:creationId xmlns:p14="http://schemas.microsoft.com/office/powerpoint/2010/main" val="2197751856"/>
-      </p:ext>
-    </p:extLst>
-  </p:cSld>
-  <p:clrMapOvr>
-    <a:masterClrMapping/>
-  </p:clrMapOvr>
-</p:sld>
-</file>
-
-<file path=ppt/slides/slide9.xml><?xml version="1.0" encoding="utf-8"?>
-<p:sld xmlns:a="http://schemas.openxmlformats.org/drawingml/2006/main" xmlns:r="http://schemas.openxmlformats.org/officeDocument/2006/relationships" xmlns:p="http://schemas.openxmlformats.org/presentationml/2006/main">
-  <p:cSld>
-    <p:spTree>
-      <p:nvGrpSpPr>
-        <p:cNvPr id="1" name=""/>
-        <p:cNvGrpSpPr/>
-        <p:nvPr/>
-      </p:nvGrpSpPr>
-      <p:grpSpPr>
-        <a:xfrm>
-          <a:off x="0" y="0"/>
-          <a:ext cx="0" cy="0"/>
-          <a:chOff x="0" y="0"/>
-          <a:chExt cx="0" cy="0"/>
-        </a:xfrm>
-      </p:grpSpPr>
-      <p:pic>
-        <p:nvPicPr>
-          <p:cNvPr id="10" name="図 9" descr="背景パターン&#10;&#10;自動的に生成された説明">
-            <a:extLst>
-              <a:ext uri="{FF2B5EF4-FFF2-40B4-BE49-F238E27FC236}">
-                <a16:creationId xmlns:a16="http://schemas.microsoft.com/office/drawing/2014/main" id="{BBCA48DB-7467-6ABB-3178-B56DBDBE4040}"/>
-              </a:ext>
-            </a:extLst>
-          </p:cNvPr>
-          <p:cNvPicPr>
-            <a:picLocks noChangeAspect="1"/>
-          </p:cNvPicPr>
-          <p:nvPr/>
-        </p:nvPicPr>
-        <p:blipFill rotWithShape="1">
-          <a:blip r:embed="rId2">
-            <a:extLst>
-              <a:ext uri="{28A0092B-C50C-407E-A947-70E740481C1C}">
-                <a14:useLocalDpi xmlns:a14="http://schemas.microsoft.com/office/drawing/2010/main" val="0"/>
-              </a:ext>
-            </a:extLst>
-          </a:blip>
-          <a:srcRect t="17503"/>
-          <a:stretch/>
-        </p:blipFill>
-        <p:spPr>
-          <a:xfrm>
-            <a:off x="-1" y="-1"/>
-            <a:ext cx="12192000" cy="1310267"/>
-          </a:xfrm>
-          <a:prstGeom prst="rect">
-            <a:avLst/>
-          </a:prstGeom>
-        </p:spPr>
-      </p:pic>
-      <p:pic>
-        <p:nvPicPr>
-          <p:cNvPr id="12" name="図 11" descr="背景パターン&#10;&#10;自動的に生成された説明">
-            <a:extLst>
-              <a:ext uri="{FF2B5EF4-FFF2-40B4-BE49-F238E27FC236}">
-                <a16:creationId xmlns:a16="http://schemas.microsoft.com/office/drawing/2014/main" id="{5D9315C7-2318-501E-A097-37D552B8B8B5}"/>
-              </a:ext>
-            </a:extLst>
-          </p:cNvPr>
-          <p:cNvPicPr>
-            <a:picLocks noChangeAspect="1"/>
-          </p:cNvPicPr>
-          <p:nvPr/>
-        </p:nvPicPr>
-        <p:blipFill rotWithShape="1">
-          <a:blip r:embed="rId3">
-            <a:extLst>
-              <a:ext uri="{28A0092B-C50C-407E-A947-70E740481C1C}">
-                <a14:useLocalDpi xmlns:a14="http://schemas.microsoft.com/office/drawing/2010/main" val="0"/>
-              </a:ext>
-            </a:extLst>
-          </a:blip>
-          <a:srcRect b="14856"/>
-          <a:stretch/>
-        </p:blipFill>
-        <p:spPr>
-          <a:xfrm>
-            <a:off x="0" y="5505687"/>
-            <a:ext cx="12192000" cy="1352313"/>
-          </a:xfrm>
-          <a:prstGeom prst="rect">
-            <a:avLst/>
-          </a:prstGeom>
-        </p:spPr>
-      </p:pic>
-      <p:sp>
-        <p:nvSpPr>
-          <p:cNvPr id="13" name="四角形: 角を丸くする 12">
-            <a:extLst>
-              <a:ext uri="{FF2B5EF4-FFF2-40B4-BE49-F238E27FC236}">
-                <a16:creationId xmlns:a16="http://schemas.microsoft.com/office/drawing/2014/main" id="{21BC7EF3-AFBB-151E-8748-0E5ECB0D55FE}"/>
-              </a:ext>
-            </a:extLst>
-          </p:cNvPr>
-          <p:cNvSpPr/>
-          <p:nvPr/>
-        </p:nvSpPr>
-        <p:spPr>
-          <a:xfrm>
-            <a:off x="1936254" y="1311365"/>
-            <a:ext cx="8319492" cy="781396"/>
-          </a:xfrm>
-          <a:prstGeom prst="roundRect">
-            <a:avLst/>
-          </a:prstGeom>
-          <a:noFill/>
-          <a:ln w="38100">
-            <a:solidFill>
-              <a:srgbClr val="F3F3F3"/>
-            </a:solidFill>
-          </a:ln>
-        </p:spPr>
-        <p:style>
-          <a:lnRef idx="2">
-            <a:schemeClr val="accent1">
-              <a:shade val="50000"/>
-            </a:schemeClr>
-          </a:lnRef>
-          <a:fillRef idx="1">
-            <a:schemeClr val="accent1"/>
-          </a:fillRef>
-          <a:effectRef idx="0">
-            <a:schemeClr val="accent1"/>
-          </a:effectRef>
-          <a:fontRef idx="minor">
-            <a:schemeClr val="lt1"/>
-          </a:fontRef>
-        </p:style>
-        <p:txBody>
-          <a:bodyPr rtlCol="0" anchor="ctr"/>
-          <a:lstStyle/>
-          <a:p>
-            <a:pPr algn="ctr"/>
-            <a:r>
-              <a:rPr lang="ja-JP" altLang="en-US" sz="2600" dirty="0">
-                <a:solidFill>
-                  <a:srgbClr val="794410"/>
-                </a:solidFill>
-                <a:latin typeface="わんぱくルイカ-０７" panose="02010803020103020304" pitchFamily="2" charset="-128"/>
-                <a:ea typeface="わんぱくルイカ-０７" panose="02010803020103020304" pitchFamily="2" charset="-128"/>
-              </a:rPr>
-              <a:t>章タイトル①</a:t>
-            </a:r>
-            <a:endParaRPr lang="en-US" altLang="ja-JP" sz="2600" dirty="0">
-              <a:solidFill>
-                <a:srgbClr val="794410"/>
-              </a:solidFill>
-              <a:latin typeface="わんぱくルイカ-０７" panose="02010803020103020304" pitchFamily="2" charset="-128"/>
-              <a:ea typeface="わんぱくルイカ-０７" panose="02010803020103020304" pitchFamily="2" charset="-128"/>
-            </a:endParaRPr>
-          </a:p>
-          <a:p>
-            <a:pPr algn="ctr"/>
-            <a:r>
-              <a:rPr lang="ja-JP" altLang="en-US" sz="1400" dirty="0">
-                <a:solidFill>
-                  <a:srgbClr val="794410"/>
-                </a:solidFill>
-                <a:latin typeface="わんぱくルイカ-０７" panose="02010803020103020304" pitchFamily="2" charset="-128"/>
-                <a:ea typeface="わんぱくルイカ-０７" panose="02010803020103020304" pitchFamily="2" charset="-128"/>
-              </a:rPr>
-              <a:t>第</a:t>
-            </a:r>
-            <a:r>
-              <a:rPr lang="en-US" altLang="ja-JP" sz="1400" dirty="0">
-                <a:solidFill>
-                  <a:srgbClr val="794410"/>
-                </a:solidFill>
-                <a:latin typeface="わんぱくルイカ-０７" panose="02010803020103020304" pitchFamily="2" charset="-128"/>
-                <a:ea typeface="わんぱくルイカ-０７" panose="02010803020103020304" pitchFamily="2" charset="-128"/>
-              </a:rPr>
-              <a:t>1</a:t>
-            </a:r>
-            <a:r>
-              <a:rPr lang="ja-JP" altLang="en-US" sz="1400" dirty="0">
-                <a:solidFill>
-                  <a:srgbClr val="794410"/>
-                </a:solidFill>
-                <a:latin typeface="わんぱくルイカ-０７" panose="02010803020103020304" pitchFamily="2" charset="-128"/>
-                <a:ea typeface="わんぱくルイカ-０７" panose="02010803020103020304" pitchFamily="2" charset="-128"/>
-              </a:rPr>
-              <a:t>章の詳細テキストを記述</a:t>
-            </a:r>
-          </a:p>
-        </p:txBody>
-      </p:sp>
-      <p:sp>
-        <p:nvSpPr>
-          <p:cNvPr id="14" name="四角形: 角を丸くする 13">
-            <a:extLst>
-              <a:ext uri="{FF2B5EF4-FFF2-40B4-BE49-F238E27FC236}">
-                <a16:creationId xmlns:a16="http://schemas.microsoft.com/office/drawing/2014/main" id="{E04CE44F-FF00-E6F7-5F10-53F9A989ADB1}"/>
-              </a:ext>
-            </a:extLst>
-          </p:cNvPr>
-          <p:cNvSpPr/>
-          <p:nvPr/>
-        </p:nvSpPr>
-        <p:spPr>
-          <a:xfrm>
-            <a:off x="1936254" y="2449007"/>
-            <a:ext cx="8319492" cy="781396"/>
-          </a:xfrm>
-          <a:prstGeom prst="roundRect">
-            <a:avLst/>
-          </a:prstGeom>
-          <a:noFill/>
-          <a:ln w="38100">
-            <a:solidFill>
-              <a:srgbClr val="F3F3F3"/>
-            </a:solidFill>
-          </a:ln>
-        </p:spPr>
-        <p:style>
-          <a:lnRef idx="2">
-            <a:schemeClr val="accent1">
-              <a:shade val="50000"/>
-            </a:schemeClr>
-          </a:lnRef>
-          <a:fillRef idx="1">
-            <a:schemeClr val="accent1"/>
-          </a:fillRef>
-          <a:effectRef idx="0">
-            <a:schemeClr val="accent1"/>
-          </a:effectRef>
-          <a:fontRef idx="minor">
-            <a:schemeClr val="lt1"/>
-          </a:fontRef>
-        </p:style>
-        <p:txBody>
-          <a:bodyPr rtlCol="0" anchor="ctr"/>
-          <a:lstStyle/>
-          <a:p>
-            <a:pPr algn="ctr"/>
-            <a:r>
-              <a:rPr lang="ja-JP" altLang="en-US" sz="2600" dirty="0">
-                <a:solidFill>
-                  <a:srgbClr val="794410"/>
-                </a:solidFill>
-                <a:latin typeface="わんぱくルイカ-０７" panose="02010803020103020304" pitchFamily="2" charset="-128"/>
-                <a:ea typeface="わんぱくルイカ-０７" panose="02010803020103020304" pitchFamily="2" charset="-128"/>
-              </a:rPr>
-              <a:t>章タイトル②</a:t>
-            </a:r>
-            <a:endParaRPr lang="en-US" altLang="ja-JP" sz="2600" dirty="0">
-              <a:solidFill>
-                <a:srgbClr val="794410"/>
-              </a:solidFill>
-              <a:latin typeface="わんぱくルイカ-０７" panose="02010803020103020304" pitchFamily="2" charset="-128"/>
-              <a:ea typeface="わんぱくルイカ-０７" panose="02010803020103020304" pitchFamily="2" charset="-128"/>
-            </a:endParaRPr>
-          </a:p>
-          <a:p>
-            <a:pPr algn="ctr"/>
-            <a:r>
-              <a:rPr lang="ja-JP" altLang="en-US" sz="1400" dirty="0">
-                <a:solidFill>
-                  <a:srgbClr val="794410"/>
-                </a:solidFill>
-                <a:latin typeface="わんぱくルイカ-０７" panose="02010803020103020304" pitchFamily="2" charset="-128"/>
-                <a:ea typeface="わんぱくルイカ-０７" panose="02010803020103020304" pitchFamily="2" charset="-128"/>
-              </a:rPr>
-              <a:t>第</a:t>
-            </a:r>
-            <a:r>
-              <a:rPr lang="en-US" altLang="ja-JP" sz="1400" dirty="0">
-                <a:solidFill>
-                  <a:srgbClr val="794410"/>
-                </a:solidFill>
-                <a:latin typeface="わんぱくルイカ-０７" panose="02010803020103020304" pitchFamily="2" charset="-128"/>
-                <a:ea typeface="わんぱくルイカ-０７" panose="02010803020103020304" pitchFamily="2" charset="-128"/>
-              </a:rPr>
-              <a:t>2</a:t>
-            </a:r>
-            <a:r>
-              <a:rPr lang="ja-JP" altLang="en-US" sz="1400" dirty="0">
-                <a:solidFill>
-                  <a:srgbClr val="794410"/>
-                </a:solidFill>
-                <a:latin typeface="わんぱくルイカ-０７" panose="02010803020103020304" pitchFamily="2" charset="-128"/>
-                <a:ea typeface="わんぱくルイカ-０７" panose="02010803020103020304" pitchFamily="2" charset="-128"/>
-              </a:rPr>
-              <a:t>章の詳細テキストを記述</a:t>
-            </a:r>
-          </a:p>
-        </p:txBody>
-      </p:sp>
-      <p:sp>
-        <p:nvSpPr>
-          <p:cNvPr id="15" name="四角形: 角を丸くする 14">
-            <a:extLst>
-              <a:ext uri="{FF2B5EF4-FFF2-40B4-BE49-F238E27FC236}">
-                <a16:creationId xmlns:a16="http://schemas.microsoft.com/office/drawing/2014/main" id="{41DAA761-169D-3A82-0F57-9474FA512DCB}"/>
-              </a:ext>
-            </a:extLst>
-          </p:cNvPr>
-          <p:cNvSpPr/>
-          <p:nvPr/>
-        </p:nvSpPr>
-        <p:spPr>
-          <a:xfrm>
-            <a:off x="1936254" y="3586649"/>
-            <a:ext cx="8319492" cy="781396"/>
-          </a:xfrm>
-          <a:prstGeom prst="roundRect">
-            <a:avLst/>
-          </a:prstGeom>
-          <a:noFill/>
-          <a:ln w="38100">
-            <a:solidFill>
-              <a:srgbClr val="F3F3F3"/>
-            </a:solidFill>
-          </a:ln>
-        </p:spPr>
-        <p:style>
-          <a:lnRef idx="2">
-            <a:schemeClr val="accent1">
-              <a:shade val="50000"/>
-            </a:schemeClr>
-          </a:lnRef>
-          <a:fillRef idx="1">
-            <a:schemeClr val="accent1"/>
-          </a:fillRef>
-          <a:effectRef idx="0">
-            <a:schemeClr val="accent1"/>
-          </a:effectRef>
-          <a:fontRef idx="minor">
-            <a:schemeClr val="lt1"/>
-          </a:fontRef>
-        </p:style>
-        <p:txBody>
-          <a:bodyPr rtlCol="0" anchor="ctr"/>
-          <a:lstStyle/>
-          <a:p>
-            <a:pPr algn="ctr"/>
-            <a:r>
-              <a:rPr lang="ja-JP" altLang="en-US" sz="2600" dirty="0">
-                <a:solidFill>
-                  <a:srgbClr val="794410"/>
-                </a:solidFill>
-                <a:latin typeface="わんぱくルイカ-０７" panose="02010803020103020304" pitchFamily="2" charset="-128"/>
-                <a:ea typeface="わんぱくルイカ-０７" panose="02010803020103020304" pitchFamily="2" charset="-128"/>
-              </a:rPr>
-              <a:t>章タイトル③</a:t>
-            </a:r>
-            <a:endParaRPr lang="en-US" altLang="ja-JP" sz="2600" dirty="0">
-              <a:solidFill>
-                <a:srgbClr val="794410"/>
-              </a:solidFill>
-              <a:latin typeface="わんぱくルイカ-０７" panose="02010803020103020304" pitchFamily="2" charset="-128"/>
-              <a:ea typeface="わんぱくルイカ-０７" panose="02010803020103020304" pitchFamily="2" charset="-128"/>
-            </a:endParaRPr>
-          </a:p>
-          <a:p>
-            <a:pPr algn="ctr"/>
-            <a:r>
-              <a:rPr lang="ja-JP" altLang="en-US" sz="1400" dirty="0">
-                <a:solidFill>
-                  <a:srgbClr val="794410"/>
-                </a:solidFill>
-                <a:latin typeface="わんぱくルイカ-０７" panose="02010803020103020304" pitchFamily="2" charset="-128"/>
-                <a:ea typeface="わんぱくルイカ-０７" panose="02010803020103020304" pitchFamily="2" charset="-128"/>
-              </a:rPr>
-              <a:t>第</a:t>
-            </a:r>
-            <a:r>
-              <a:rPr lang="en-US" altLang="ja-JP" sz="1400" dirty="0">
-                <a:solidFill>
-                  <a:srgbClr val="794410"/>
-                </a:solidFill>
-                <a:latin typeface="わんぱくルイカ-０７" panose="02010803020103020304" pitchFamily="2" charset="-128"/>
-                <a:ea typeface="わんぱくルイカ-０７" panose="02010803020103020304" pitchFamily="2" charset="-128"/>
-              </a:rPr>
-              <a:t>3</a:t>
-            </a:r>
-            <a:r>
-              <a:rPr lang="ja-JP" altLang="en-US" sz="1400" dirty="0">
-                <a:solidFill>
-                  <a:srgbClr val="794410"/>
-                </a:solidFill>
-                <a:latin typeface="わんぱくルイカ-０７" panose="02010803020103020304" pitchFamily="2" charset="-128"/>
-                <a:ea typeface="わんぱくルイカ-０７" panose="02010803020103020304" pitchFamily="2" charset="-128"/>
-              </a:rPr>
-              <a:t>章の詳細テキストを記述</a:t>
-            </a:r>
-          </a:p>
-        </p:txBody>
-      </p:sp>
-      <p:sp>
-        <p:nvSpPr>
-          <p:cNvPr id="16" name="四角形: 角を丸くする 15">
-            <a:extLst>
-              <a:ext uri="{FF2B5EF4-FFF2-40B4-BE49-F238E27FC236}">
-                <a16:creationId xmlns:a16="http://schemas.microsoft.com/office/drawing/2014/main" id="{37A2FC22-178A-D6F7-3369-9B3F8F1414AA}"/>
-              </a:ext>
-            </a:extLst>
-          </p:cNvPr>
-          <p:cNvSpPr/>
-          <p:nvPr/>
-        </p:nvSpPr>
-        <p:spPr>
-          <a:xfrm>
-            <a:off x="1936254" y="4724291"/>
-            <a:ext cx="8319492" cy="781396"/>
-          </a:xfrm>
-          <a:prstGeom prst="roundRect">
-            <a:avLst/>
-          </a:prstGeom>
-          <a:solidFill>
-            <a:srgbClr val="FDF4CB"/>
-          </a:solidFill>
-          <a:ln w="38100">
-            <a:solidFill>
-              <a:srgbClr val="F6EC9D"/>
-            </a:solidFill>
-          </a:ln>
-        </p:spPr>
-        <p:style>
-          <a:lnRef idx="2">
-            <a:schemeClr val="accent1">
-              <a:shade val="50000"/>
-            </a:schemeClr>
-          </a:lnRef>
-          <a:fillRef idx="1">
-            <a:schemeClr val="accent1"/>
-          </a:fillRef>
-          <a:effectRef idx="0">
-            <a:schemeClr val="accent1"/>
-          </a:effectRef>
-          <a:fontRef idx="minor">
-            <a:schemeClr val="lt1"/>
-          </a:fontRef>
-        </p:style>
-        <p:txBody>
-          <a:bodyPr rtlCol="0" anchor="ctr"/>
-          <a:lstStyle/>
-          <a:p>
-            <a:pPr algn="ctr"/>
-            <a:r>
-              <a:rPr lang="ja-JP" altLang="en-US" sz="2600" dirty="0">
-                <a:solidFill>
-                  <a:srgbClr val="794410"/>
-                </a:solidFill>
-                <a:latin typeface="わんぱくルイカ-０７" panose="02010803020103020304" pitchFamily="2" charset="-128"/>
-                <a:ea typeface="わんぱくルイカ-０７" panose="02010803020103020304" pitchFamily="2" charset="-128"/>
-              </a:rPr>
-              <a:t>章タイトル④</a:t>
-            </a:r>
-          </a:p>
-          <a:p>
-            <a:pPr algn="ctr"/>
-            <a:r>
-              <a:rPr lang="ja-JP" altLang="en-US" sz="1400" dirty="0">
-                <a:solidFill>
-                  <a:srgbClr val="794410"/>
-                </a:solidFill>
-                <a:latin typeface="わんぱくルイカ-０７" panose="02010803020103020304" pitchFamily="2" charset="-128"/>
-                <a:ea typeface="わんぱくルイカ-０７" panose="02010803020103020304" pitchFamily="2" charset="-128"/>
-              </a:rPr>
-              <a:t>第</a:t>
-            </a:r>
-            <a:r>
-              <a:rPr lang="en-US" altLang="ja-JP" sz="1400" dirty="0">
-                <a:solidFill>
-                  <a:srgbClr val="794410"/>
-                </a:solidFill>
-                <a:latin typeface="わんぱくルイカ-０７" panose="02010803020103020304" pitchFamily="2" charset="-128"/>
-                <a:ea typeface="わんぱくルイカ-０７" panose="02010803020103020304" pitchFamily="2" charset="-128"/>
-              </a:rPr>
-              <a:t>4</a:t>
-            </a:r>
-            <a:r>
-              <a:rPr lang="ja-JP" altLang="en-US" sz="1400" dirty="0">
-                <a:solidFill>
-                  <a:srgbClr val="794410"/>
-                </a:solidFill>
-                <a:latin typeface="わんぱくルイカ-０７" panose="02010803020103020304" pitchFamily="2" charset="-128"/>
-                <a:ea typeface="わんぱくルイカ-０７" panose="02010803020103020304" pitchFamily="2" charset="-128"/>
-              </a:rPr>
-              <a:t>章の詳細テキストを記述</a:t>
-            </a:r>
-          </a:p>
-        </p:txBody>
-      </p:sp>
-      <p:sp>
-        <p:nvSpPr>
-          <p:cNvPr id="17" name="四角形: 角を丸くする 16">
-            <a:extLst>
-              <a:ext uri="{FF2B5EF4-FFF2-40B4-BE49-F238E27FC236}">
-                <a16:creationId xmlns:a16="http://schemas.microsoft.com/office/drawing/2014/main" id="{241D0E69-D3CF-50E5-A5E6-EDAAF1C53EAE}"/>
-              </a:ext>
-            </a:extLst>
-          </p:cNvPr>
-          <p:cNvSpPr/>
-          <p:nvPr/>
-        </p:nvSpPr>
-        <p:spPr>
-          <a:xfrm>
-            <a:off x="2214861" y="1524064"/>
-            <a:ext cx="871239" cy="355997"/>
-          </a:xfrm>
-          <a:prstGeom prst="roundRect">
-            <a:avLst>
-              <a:gd name="adj" fmla="val 50000"/>
-            </a:avLst>
-          </a:prstGeom>
-          <a:solidFill>
-            <a:srgbClr val="95D43C"/>
-          </a:solidFill>
-          <a:ln>
-            <a:solidFill>
-              <a:srgbClr val="95D43C"/>
-            </a:solidFill>
-          </a:ln>
-        </p:spPr>
-        <p:style>
-          <a:lnRef idx="2">
-            <a:schemeClr val="accent1">
-              <a:shade val="50000"/>
-            </a:schemeClr>
-          </a:lnRef>
-          <a:fillRef idx="1">
-            <a:schemeClr val="accent1"/>
-          </a:fillRef>
-          <a:effectRef idx="0">
-            <a:schemeClr val="accent1"/>
-          </a:effectRef>
-          <a:fontRef idx="minor">
-            <a:schemeClr val="lt1"/>
-          </a:fontRef>
-        </p:style>
-        <p:txBody>
-          <a:bodyPr rot="0" spcFirstLastPara="0" vertOverflow="overflow" horzOverflow="overflow" vert="horz" wrap="square" lIns="74295" tIns="37148" rIns="74295" bIns="37148" numCol="1" spcCol="0" rtlCol="0" fromWordArt="0" anchor="ctr" anchorCtr="0" forceAA="0" compatLnSpc="1">
-            <a:prstTxWarp prst="textNoShape">
-              <a:avLst/>
-            </a:prstTxWarp>
-            <a:noAutofit/>
-          </a:bodyPr>
-          <a:lstStyle/>
-          <a:p>
-            <a:pPr algn="ctr"/>
-            <a:r>
-              <a:rPr lang="ja-JP" altLang="en-US" sz="1600" dirty="0">
-                <a:latin typeface="わんぱくルイカ-０７" panose="02010803020103020304" pitchFamily="2" charset="-128"/>
-                <a:ea typeface="わんぱくルイカ-０７" panose="02010803020103020304" pitchFamily="2" charset="-128"/>
-              </a:rPr>
-              <a:t>その</a:t>
-            </a:r>
-            <a:r>
-              <a:rPr lang="en-US" altLang="ja-JP" sz="1600" dirty="0">
-                <a:latin typeface="わんぱくルイカ-０７" panose="02010803020103020304" pitchFamily="2" charset="-128"/>
-                <a:ea typeface="わんぱくルイカ-０７" panose="02010803020103020304" pitchFamily="2" charset="-128"/>
-              </a:rPr>
-              <a:t>1</a:t>
-            </a:r>
-            <a:endParaRPr lang="ja-JP" altLang="en-US" sz="1600" dirty="0">
-              <a:latin typeface="わんぱくルイカ-０７" panose="02010803020103020304" pitchFamily="2" charset="-128"/>
-              <a:ea typeface="わんぱくルイカ-０７" panose="02010803020103020304" pitchFamily="2" charset="-128"/>
-            </a:endParaRPr>
-          </a:p>
-        </p:txBody>
-      </p:sp>
-      <p:sp>
-        <p:nvSpPr>
-          <p:cNvPr id="18" name="四角形: 角を丸くする 17">
-            <a:extLst>
-              <a:ext uri="{FF2B5EF4-FFF2-40B4-BE49-F238E27FC236}">
-                <a16:creationId xmlns:a16="http://schemas.microsoft.com/office/drawing/2014/main" id="{98BC228F-83C5-EFA7-4D6D-A868DAC8B28E}"/>
-              </a:ext>
-            </a:extLst>
-          </p:cNvPr>
-          <p:cNvSpPr/>
-          <p:nvPr/>
-        </p:nvSpPr>
-        <p:spPr>
-          <a:xfrm>
-            <a:off x="2214861" y="2661706"/>
-            <a:ext cx="871239" cy="355997"/>
-          </a:xfrm>
-          <a:prstGeom prst="roundRect">
-            <a:avLst>
-              <a:gd name="adj" fmla="val 50000"/>
-            </a:avLst>
-          </a:prstGeom>
-          <a:solidFill>
-            <a:srgbClr val="67C313"/>
-          </a:solidFill>
-          <a:ln>
-            <a:solidFill>
-              <a:srgbClr val="67C313"/>
-            </a:solidFill>
-          </a:ln>
-        </p:spPr>
-        <p:style>
-          <a:lnRef idx="2">
-            <a:schemeClr val="accent1">
-              <a:shade val="50000"/>
-            </a:schemeClr>
-          </a:lnRef>
-          <a:fillRef idx="1">
-            <a:schemeClr val="accent1"/>
-          </a:fillRef>
-          <a:effectRef idx="0">
-            <a:schemeClr val="accent1"/>
-          </a:effectRef>
-          <a:fontRef idx="minor">
-            <a:schemeClr val="lt1"/>
-          </a:fontRef>
-        </p:style>
-        <p:txBody>
-          <a:bodyPr rot="0" spcFirstLastPara="0" vertOverflow="overflow" horzOverflow="overflow" vert="horz" wrap="square" lIns="74295" tIns="37148" rIns="74295" bIns="37148" numCol="1" spcCol="0" rtlCol="0" fromWordArt="0" anchor="ctr" anchorCtr="0" forceAA="0" compatLnSpc="1">
-            <a:prstTxWarp prst="textNoShape">
-              <a:avLst/>
-            </a:prstTxWarp>
-            <a:noAutofit/>
-          </a:bodyPr>
-          <a:lstStyle/>
-          <a:p>
-            <a:pPr algn="ctr"/>
-            <a:r>
-              <a:rPr lang="ja-JP" altLang="en-US" sz="1600" dirty="0">
-                <a:latin typeface="わんぱくルイカ-０７" panose="02010803020103020304" pitchFamily="2" charset="-128"/>
-                <a:ea typeface="わんぱくルイカ-０７" panose="02010803020103020304" pitchFamily="2" charset="-128"/>
-              </a:rPr>
-              <a:t>その</a:t>
-            </a:r>
-            <a:r>
-              <a:rPr lang="en-US" altLang="ja-JP" sz="1600" dirty="0">
-                <a:latin typeface="わんぱくルイカ-０７" panose="02010803020103020304" pitchFamily="2" charset="-128"/>
-                <a:ea typeface="わんぱくルイカ-０７" panose="02010803020103020304" pitchFamily="2" charset="-128"/>
-              </a:rPr>
-              <a:t>2</a:t>
-            </a:r>
-            <a:endParaRPr lang="ja-JP" altLang="en-US" sz="1600" dirty="0">
-              <a:latin typeface="わんぱくルイカ-０７" panose="02010803020103020304" pitchFamily="2" charset="-128"/>
-              <a:ea typeface="わんぱくルイカ-０７" panose="02010803020103020304" pitchFamily="2" charset="-128"/>
-            </a:endParaRPr>
-          </a:p>
-        </p:txBody>
-      </p:sp>
-      <p:sp>
-        <p:nvSpPr>
-          <p:cNvPr id="19" name="四角形: 角を丸くする 18">
-            <a:extLst>
-              <a:ext uri="{FF2B5EF4-FFF2-40B4-BE49-F238E27FC236}">
-                <a16:creationId xmlns:a16="http://schemas.microsoft.com/office/drawing/2014/main" id="{675A98CF-7DEB-262F-BE21-D8666ABDDAA8}"/>
-              </a:ext>
-            </a:extLst>
-          </p:cNvPr>
-          <p:cNvSpPr/>
-          <p:nvPr/>
-        </p:nvSpPr>
-        <p:spPr>
-          <a:xfrm>
-            <a:off x="2214861" y="3799349"/>
-            <a:ext cx="871239" cy="355997"/>
-          </a:xfrm>
-          <a:prstGeom prst="roundRect">
-            <a:avLst>
-              <a:gd name="adj" fmla="val 50000"/>
-            </a:avLst>
-          </a:prstGeom>
-          <a:solidFill>
-            <a:srgbClr val="E86287"/>
-          </a:solidFill>
-          <a:ln>
-            <a:solidFill>
-              <a:srgbClr val="E86287"/>
-            </a:solidFill>
-          </a:ln>
-        </p:spPr>
-        <p:style>
-          <a:lnRef idx="2">
-            <a:schemeClr val="accent1">
-              <a:shade val="50000"/>
-            </a:schemeClr>
-          </a:lnRef>
-          <a:fillRef idx="1">
-            <a:schemeClr val="accent1"/>
-          </a:fillRef>
-          <a:effectRef idx="0">
-            <a:schemeClr val="accent1"/>
-          </a:effectRef>
-          <a:fontRef idx="minor">
-            <a:schemeClr val="lt1"/>
-          </a:fontRef>
-        </p:style>
-        <p:txBody>
-          <a:bodyPr rot="0" spcFirstLastPara="0" vertOverflow="overflow" horzOverflow="overflow" vert="horz" wrap="square" lIns="74295" tIns="37148" rIns="74295" bIns="37148" numCol="1" spcCol="0" rtlCol="0" fromWordArt="0" anchor="ctr" anchorCtr="0" forceAA="0" compatLnSpc="1">
-            <a:prstTxWarp prst="textNoShape">
-              <a:avLst/>
-            </a:prstTxWarp>
-            <a:noAutofit/>
-          </a:bodyPr>
-          <a:lstStyle/>
-          <a:p>
-            <a:pPr algn="ctr"/>
-            <a:r>
-              <a:rPr lang="ja-JP" altLang="en-US" sz="1600" dirty="0">
-                <a:latin typeface="わんぱくルイカ-０７" panose="02010803020103020304" pitchFamily="2" charset="-128"/>
-                <a:ea typeface="わんぱくルイカ-０７" panose="02010803020103020304" pitchFamily="2" charset="-128"/>
-              </a:rPr>
-              <a:t>その</a:t>
-            </a:r>
-            <a:r>
-              <a:rPr lang="en-US" altLang="ja-JP" sz="1600" dirty="0">
-                <a:latin typeface="わんぱくルイカ-０７" panose="02010803020103020304" pitchFamily="2" charset="-128"/>
-                <a:ea typeface="わんぱくルイカ-０７" panose="02010803020103020304" pitchFamily="2" charset="-128"/>
-              </a:rPr>
-              <a:t>3</a:t>
-            </a:r>
-            <a:endParaRPr lang="ja-JP" altLang="en-US" sz="1600" dirty="0">
-              <a:latin typeface="わんぱくルイカ-０７" panose="02010803020103020304" pitchFamily="2" charset="-128"/>
-              <a:ea typeface="わんぱくルイカ-０７" panose="02010803020103020304" pitchFamily="2" charset="-128"/>
-            </a:endParaRPr>
-          </a:p>
-        </p:txBody>
-      </p:sp>
-      <p:sp>
-        <p:nvSpPr>
-          <p:cNvPr id="20" name="四角形: 角を丸くする 19">
-            <a:extLst>
-              <a:ext uri="{FF2B5EF4-FFF2-40B4-BE49-F238E27FC236}">
-                <a16:creationId xmlns:a16="http://schemas.microsoft.com/office/drawing/2014/main" id="{5872D10E-C1D4-BE9A-2AB9-D025A70F269E}"/>
-              </a:ext>
-            </a:extLst>
-          </p:cNvPr>
-          <p:cNvSpPr/>
-          <p:nvPr/>
-        </p:nvSpPr>
-        <p:spPr>
-          <a:xfrm>
-            <a:off x="2214861" y="4936991"/>
-            <a:ext cx="871239" cy="355997"/>
-          </a:xfrm>
-          <a:prstGeom prst="roundRect">
-            <a:avLst>
-              <a:gd name="adj" fmla="val 50000"/>
-            </a:avLst>
-          </a:prstGeom>
-          <a:solidFill>
-            <a:srgbClr val="4A83DE"/>
-          </a:solidFill>
-          <a:ln>
-            <a:solidFill>
-              <a:srgbClr val="4A83DE"/>
-            </a:solidFill>
-          </a:ln>
-        </p:spPr>
-        <p:style>
-          <a:lnRef idx="2">
-            <a:schemeClr val="accent1">
-              <a:shade val="50000"/>
-            </a:schemeClr>
-          </a:lnRef>
-          <a:fillRef idx="1">
-            <a:schemeClr val="accent1"/>
-          </a:fillRef>
-          <a:effectRef idx="0">
-            <a:schemeClr val="accent1"/>
-          </a:effectRef>
-          <a:fontRef idx="minor">
-            <a:schemeClr val="lt1"/>
-          </a:fontRef>
-        </p:style>
-        <p:txBody>
-          <a:bodyPr rot="0" spcFirstLastPara="0" vertOverflow="overflow" horzOverflow="overflow" vert="horz" wrap="square" lIns="74295" tIns="37148" rIns="74295" bIns="37148" numCol="1" spcCol="0" rtlCol="0" fromWordArt="0" anchor="ctr" anchorCtr="0" forceAA="0" compatLnSpc="1">
-            <a:prstTxWarp prst="textNoShape">
-              <a:avLst/>
-            </a:prstTxWarp>
-            <a:noAutofit/>
-          </a:bodyPr>
-          <a:lstStyle/>
-          <a:p>
-            <a:pPr algn="ctr"/>
-            <a:r>
-              <a:rPr lang="ja-JP" altLang="en-US" sz="1600" dirty="0">
-                <a:latin typeface="わんぱくルイカ-０７" panose="02010803020103020304" pitchFamily="2" charset="-128"/>
-                <a:ea typeface="わんぱくルイカ-０７" panose="02010803020103020304" pitchFamily="2" charset="-128"/>
-              </a:rPr>
-              <a:t>その</a:t>
-            </a:r>
-            <a:r>
-              <a:rPr lang="en-US" altLang="ja-JP" sz="1600" dirty="0">
-                <a:latin typeface="わんぱくルイカ-０７" panose="02010803020103020304" pitchFamily="2" charset="-128"/>
-                <a:ea typeface="わんぱくルイカ-０７" panose="02010803020103020304" pitchFamily="2" charset="-128"/>
-              </a:rPr>
-              <a:t>4</a:t>
-            </a:r>
-            <a:endParaRPr lang="ja-JP" altLang="en-US" sz="1600" dirty="0">
-              <a:latin typeface="わんぱくルイカ-０７" panose="02010803020103020304" pitchFamily="2" charset="-128"/>
-              <a:ea typeface="わんぱくルイカ-０７" panose="02010803020103020304" pitchFamily="2" charset="-128"/>
-            </a:endParaRPr>
-          </a:p>
-        </p:txBody>
-      </p:sp>
-      <p:sp>
-        <p:nvSpPr>
-          <p:cNvPr id="8" name="四角形: 角を丸くする 7">
-            <a:extLst>
-              <a:ext uri="{FF2B5EF4-FFF2-40B4-BE49-F238E27FC236}">
-                <a16:creationId xmlns:a16="http://schemas.microsoft.com/office/drawing/2014/main" id="{5BC07881-2F41-31CA-2959-1EB0169F5874}"/>
-              </a:ext>
-            </a:extLst>
-          </p:cNvPr>
-          <p:cNvSpPr/>
-          <p:nvPr/>
-        </p:nvSpPr>
-        <p:spPr>
-          <a:xfrm>
-            <a:off x="1936253" y="3582705"/>
-            <a:ext cx="8319492" cy="781396"/>
-          </a:xfrm>
-          <a:prstGeom prst="roundRect">
-            <a:avLst/>
-          </a:prstGeom>
-          <a:solidFill>
-            <a:srgbClr val="000000">
-              <a:alpha val="50196"/>
-            </a:srgbClr>
-          </a:solidFill>
-          <a:ln w="38100">
-            <a:noFill/>
-          </a:ln>
-        </p:spPr>
-        <p:style>
-          <a:lnRef idx="2">
-            <a:schemeClr val="accent1">
-              <a:shade val="50000"/>
-            </a:schemeClr>
-          </a:lnRef>
-          <a:fillRef idx="1">
-            <a:schemeClr val="accent1"/>
-          </a:fillRef>
-          <a:effectRef idx="0">
-            <a:schemeClr val="accent1"/>
-          </a:effectRef>
-          <a:fontRef idx="minor">
-            <a:schemeClr val="lt1"/>
-          </a:fontRef>
-        </p:style>
-        <p:txBody>
-          <a:bodyPr rtlCol="0" anchor="ctr"/>
-          <a:lstStyle/>
-          <a:p>
-            <a:pPr algn="ctr"/>
-            <a:endParaRPr lang="ja-JP" altLang="en-US" sz="1400" dirty="0">
-              <a:solidFill>
-                <a:srgbClr val="794410"/>
-              </a:solidFill>
-              <a:latin typeface="わんぱくルイカ-０７" panose="02010803020103020304" pitchFamily="2" charset="-128"/>
-              <a:ea typeface="わんぱくルイカ-０７" panose="02010803020103020304" pitchFamily="2" charset="-128"/>
-            </a:endParaRPr>
-          </a:p>
-        </p:txBody>
-      </p:sp>
-      <p:grpSp>
-        <p:nvGrpSpPr>
-          <p:cNvPr id="3" name="グループ化 2">
-            <a:extLst>
-              <a:ext uri="{FF2B5EF4-FFF2-40B4-BE49-F238E27FC236}">
-                <a16:creationId xmlns:a16="http://schemas.microsoft.com/office/drawing/2014/main" id="{19798558-59CC-4A15-31C6-0278337FAD3F}"/>
-              </a:ext>
-            </a:extLst>
-          </p:cNvPr>
-          <p:cNvGrpSpPr/>
-          <p:nvPr/>
-        </p:nvGrpSpPr>
-        <p:grpSpPr>
-          <a:xfrm>
-            <a:off x="5471019" y="4198768"/>
-            <a:ext cx="1249960" cy="338554"/>
-            <a:chOff x="5444311" y="1940626"/>
-            <a:chExt cx="1249960" cy="338554"/>
-          </a:xfrm>
-        </p:grpSpPr>
-        <p:sp>
-          <p:nvSpPr>
-            <p:cNvPr id="4" name="四角形: 角を丸くする 3">
-              <a:extLst>
-                <a:ext uri="{FF2B5EF4-FFF2-40B4-BE49-F238E27FC236}">
-                  <a16:creationId xmlns:a16="http://schemas.microsoft.com/office/drawing/2014/main" id="{1FC9BBA0-BA9E-4715-4C18-A6D25F12F016}"/>
-                </a:ext>
-              </a:extLst>
-            </p:cNvPr>
-            <p:cNvSpPr/>
-            <p:nvPr/>
-          </p:nvSpPr>
-          <p:spPr>
-            <a:xfrm>
-              <a:off x="5543548" y="2025295"/>
-              <a:ext cx="1104902" cy="209041"/>
-            </a:xfrm>
-            <a:prstGeom prst="roundRect">
-              <a:avLst>
-                <a:gd name="adj" fmla="val 50000"/>
-              </a:avLst>
-            </a:prstGeom>
-            <a:solidFill>
-              <a:srgbClr val="F24678"/>
-            </a:solidFill>
-            <a:ln>
-              <a:solidFill>
-                <a:srgbClr val="E86287"/>
-              </a:solidFill>
-            </a:ln>
-          </p:spPr>
-          <p:style>
-            <a:lnRef idx="2">
-              <a:schemeClr val="accent1">
-                <a:shade val="50000"/>
-              </a:schemeClr>
-            </a:lnRef>
-            <a:fillRef idx="1">
-              <a:schemeClr val="accent1"/>
-            </a:fillRef>
-            <a:effectRef idx="0">
-              <a:schemeClr val="accent1"/>
-            </a:effectRef>
-            <a:fontRef idx="minor">
-              <a:schemeClr val="lt1"/>
-            </a:fontRef>
-          </p:style>
-          <p:txBody>
-            <a:bodyPr rtlCol="0" anchor="ctr"/>
-            <a:lstStyle/>
-            <a:p>
-              <a:pPr algn="ctr"/>
-              <a:endParaRPr kumimoji="1" lang="ja-JP" altLang="en-US" sz="1600" dirty="0">
-                <a:latin typeface="わんぱくルイカ-０７" panose="02010803020103020304" pitchFamily="2" charset="-128"/>
-                <a:ea typeface="わんぱくルイカ-０７" panose="02010803020103020304" pitchFamily="2" charset="-128"/>
-              </a:endParaRPr>
-            </a:p>
-          </p:txBody>
-        </p:sp>
-        <p:sp>
-          <p:nvSpPr>
-            <p:cNvPr id="5" name="テキスト ボックス 4">
-              <a:extLst>
-                <a:ext uri="{FF2B5EF4-FFF2-40B4-BE49-F238E27FC236}">
-                  <a16:creationId xmlns:a16="http://schemas.microsoft.com/office/drawing/2014/main" id="{FFE5F2A8-EC5C-8B3C-F381-14956882CB32}"/>
-                </a:ext>
-              </a:extLst>
-            </p:cNvPr>
-            <p:cNvSpPr txBox="1"/>
-            <p:nvPr/>
-          </p:nvSpPr>
-          <p:spPr>
-            <a:xfrm>
-              <a:off x="5444311" y="1940626"/>
-              <a:ext cx="1249960" cy="338554"/>
-            </a:xfrm>
-            <a:prstGeom prst="rect">
-              <a:avLst/>
-            </a:prstGeom>
-            <a:noFill/>
-          </p:spPr>
-          <p:txBody>
-            <a:bodyPr wrap="square">
-              <a:spAutoFit/>
-            </a:bodyPr>
-            <a:lstStyle/>
-            <a:p>
-              <a:pPr marL="0" marR="0" lvl="0" indent="0" algn="ctr" defTabSz="914400" rtl="0" eaLnBrk="1" fontAlgn="auto" latinLnBrk="0" hangingPunct="1">
-                <a:lnSpc>
-                  <a:spcPct val="100000"/>
-                </a:lnSpc>
-                <a:spcBef>
-                  <a:spcPts val="0"/>
-                </a:spcBef>
-                <a:spcAft>
-                  <a:spcPts val="0"/>
-                </a:spcAft>
-                <a:buClrTx/>
-                <a:buSzTx/>
-                <a:buFontTx/>
-                <a:buNone/>
-                <a:tabLst/>
-                <a:defRPr/>
-              </a:pPr>
-              <a:r>
-                <a:rPr kumimoji="1" lang="ja-JP" altLang="en-US" sz="1600" b="0" i="0" u="none" strike="noStrike" kern="1200" cap="none" spc="0" normalizeH="0" baseline="0" noProof="0" dirty="0">
-                  <a:ln>
-                    <a:noFill/>
-                  </a:ln>
-                  <a:solidFill>
-                    <a:prstClr val="white"/>
-                  </a:solidFill>
-                  <a:effectLst/>
-                  <a:uLnTx/>
-                  <a:uFillTx/>
-                  <a:latin typeface="わんぱくルイカ-０７" panose="02010803020103020304" pitchFamily="2" charset="-128"/>
-                  <a:ea typeface="わんぱくルイカ-０７" panose="02010803020103020304" pitchFamily="2" charset="-128"/>
-                  <a:cs typeface="+mn-cs"/>
-                </a:rPr>
-                <a:t>↓</a:t>
-              </a:r>
-              <a:r>
-                <a:rPr kumimoji="1" lang="en-US" altLang="ja-JP" sz="1600" b="0" i="0" u="none" strike="noStrike" kern="1200" cap="none" spc="0" normalizeH="0" baseline="0" noProof="0" dirty="0">
-                  <a:ln>
-                    <a:noFill/>
-                  </a:ln>
-                  <a:solidFill>
-                    <a:prstClr val="white"/>
-                  </a:solidFill>
-                  <a:effectLst/>
-                  <a:uLnTx/>
-                  <a:uFillTx/>
-                  <a:latin typeface="わんぱくルイカ-０７" panose="02010803020103020304" pitchFamily="2" charset="-128"/>
-                  <a:ea typeface="わんぱくルイカ-０７" panose="02010803020103020304" pitchFamily="2" charset="-128"/>
-                  <a:cs typeface="+mn-cs"/>
-                </a:rPr>
-                <a:t>NEXT</a:t>
-              </a:r>
-              <a:endParaRPr kumimoji="1" lang="ja-JP" altLang="en-US" sz="1600" b="0" i="0" u="none" strike="noStrike" kern="1200" cap="none" spc="0" normalizeH="0" baseline="0" noProof="0" dirty="0">
-                <a:ln>
-                  <a:noFill/>
-                </a:ln>
-                <a:solidFill>
-                  <a:prstClr val="white"/>
-                </a:solidFill>
-                <a:effectLst/>
-                <a:uLnTx/>
-                <a:uFillTx/>
-                <a:latin typeface="わんぱくルイカ-０７" panose="02010803020103020304" pitchFamily="2" charset="-128"/>
-                <a:ea typeface="わんぱくルイカ-０７" panose="02010803020103020304" pitchFamily="2" charset="-128"/>
-                <a:cs typeface="+mn-cs"/>
-              </a:endParaRPr>
-            </a:p>
-          </p:txBody>
-        </p:sp>
-      </p:grpSp>
-      <p:sp>
-        <p:nvSpPr>
-          <p:cNvPr id="6" name="四角形: 角を丸くする 5">
-            <a:extLst>
-              <a:ext uri="{FF2B5EF4-FFF2-40B4-BE49-F238E27FC236}">
-                <a16:creationId xmlns:a16="http://schemas.microsoft.com/office/drawing/2014/main" id="{EAD85B29-7D5D-BBEF-759B-EC77A3069337}"/>
-              </a:ext>
-            </a:extLst>
-          </p:cNvPr>
-          <p:cNvSpPr/>
-          <p:nvPr/>
-        </p:nvSpPr>
-        <p:spPr>
-          <a:xfrm>
-            <a:off x="1936253" y="1309393"/>
-            <a:ext cx="8319492" cy="781396"/>
-          </a:xfrm>
-          <a:prstGeom prst="roundRect">
-            <a:avLst/>
-          </a:prstGeom>
-          <a:solidFill>
-            <a:srgbClr val="000000">
-              <a:alpha val="50196"/>
-            </a:srgbClr>
-          </a:solidFill>
-          <a:ln w="38100">
-            <a:noFill/>
-          </a:ln>
-        </p:spPr>
-        <p:style>
-          <a:lnRef idx="2">
-            <a:schemeClr val="accent1">
-              <a:shade val="50000"/>
-            </a:schemeClr>
-          </a:lnRef>
-          <a:fillRef idx="1">
-            <a:schemeClr val="accent1"/>
-          </a:fillRef>
-          <a:effectRef idx="0">
-            <a:schemeClr val="accent1"/>
-          </a:effectRef>
-          <a:fontRef idx="minor">
-            <a:schemeClr val="lt1"/>
-          </a:fontRef>
-        </p:style>
-        <p:txBody>
-          <a:bodyPr rtlCol="0" anchor="ctr"/>
-          <a:lstStyle/>
-          <a:p>
-            <a:pPr algn="ctr"/>
-            <a:endParaRPr lang="ja-JP" altLang="en-US" sz="1400" dirty="0">
-              <a:solidFill>
-                <a:srgbClr val="794410"/>
-              </a:solidFill>
-              <a:latin typeface="わんぱくルイカ-０７" panose="02010803020103020304" pitchFamily="2" charset="-128"/>
-              <a:ea typeface="わんぱくルイカ-０７" panose="02010803020103020304" pitchFamily="2" charset="-128"/>
-            </a:endParaRPr>
-          </a:p>
-        </p:txBody>
-      </p:sp>
-      <p:sp>
-        <p:nvSpPr>
-          <p:cNvPr id="7" name="四角形: 角を丸くする 6">
-            <a:extLst>
-              <a:ext uri="{FF2B5EF4-FFF2-40B4-BE49-F238E27FC236}">
-                <a16:creationId xmlns:a16="http://schemas.microsoft.com/office/drawing/2014/main" id="{08508DF5-EA9C-D997-6FB2-846BBEB81FD6}"/>
-              </a:ext>
-            </a:extLst>
-          </p:cNvPr>
-          <p:cNvSpPr/>
-          <p:nvPr/>
-        </p:nvSpPr>
-        <p:spPr>
-          <a:xfrm>
-            <a:off x="1936253" y="2447035"/>
-            <a:ext cx="8319492" cy="781396"/>
-          </a:xfrm>
-          <a:prstGeom prst="roundRect">
-            <a:avLst/>
-          </a:prstGeom>
-          <a:solidFill>
-            <a:srgbClr val="000000">
-              <a:alpha val="50196"/>
-            </a:srgbClr>
-          </a:solidFill>
-          <a:ln w="38100">
-            <a:noFill/>
-          </a:ln>
-        </p:spPr>
-        <p:style>
-          <a:lnRef idx="2">
-            <a:schemeClr val="accent1">
-              <a:shade val="50000"/>
-            </a:schemeClr>
-          </a:lnRef>
-          <a:fillRef idx="1">
-            <a:schemeClr val="accent1"/>
-          </a:fillRef>
-          <a:effectRef idx="0">
-            <a:schemeClr val="accent1"/>
-          </a:effectRef>
-          <a:fontRef idx="minor">
-            <a:schemeClr val="lt1"/>
-          </a:fontRef>
-        </p:style>
-        <p:txBody>
-          <a:bodyPr rtlCol="0" anchor="ctr"/>
-          <a:lstStyle/>
-          <a:p>
-            <a:pPr algn="ctr"/>
-            <a:endParaRPr lang="ja-JP" altLang="en-US" sz="1400" dirty="0">
-              <a:solidFill>
-                <a:srgbClr val="794410"/>
-              </a:solidFill>
-              <a:latin typeface="わんぱくルイカ-０７" panose="02010803020103020304" pitchFamily="2" charset="-128"/>
-              <a:ea typeface="わんぱくルイカ-０７" panose="02010803020103020304" pitchFamily="2" charset="-128"/>
-            </a:endParaRPr>
-          </a:p>
-        </p:txBody>
-      </p:sp>
-      <p:sp>
-        <p:nvSpPr>
-          <p:cNvPr id="9" name="正方形/長方形 8">
-            <a:extLst>
-              <a:ext uri="{FF2B5EF4-FFF2-40B4-BE49-F238E27FC236}">
-                <a16:creationId xmlns:a16="http://schemas.microsoft.com/office/drawing/2014/main" id="{FCB6CC19-E756-2DFA-0B9C-619D45F667B8}"/>
-              </a:ext>
-            </a:extLst>
-          </p:cNvPr>
-          <p:cNvSpPr/>
-          <p:nvPr/>
-        </p:nvSpPr>
-        <p:spPr>
-          <a:xfrm>
-            <a:off x="9858373" y="0"/>
-            <a:ext cx="2190751" cy="1291259"/>
-          </a:xfrm>
-          <a:prstGeom prst="rect">
-            <a:avLst/>
-          </a:prstGeom>
-          <a:solidFill>
-            <a:srgbClr val="BFBFBF">
-              <a:alpha val="50196"/>
-            </a:srgbClr>
-          </a:solidFill>
-          <a:ln>
-            <a:noFill/>
-          </a:ln>
-        </p:spPr>
-        <p:style>
-          <a:lnRef idx="2">
-            <a:schemeClr val="accent1">
-              <a:shade val="50000"/>
-            </a:schemeClr>
-          </a:lnRef>
-          <a:fillRef idx="1">
-            <a:schemeClr val="accent1"/>
-          </a:fillRef>
-          <a:effectRef idx="0">
-            <a:schemeClr val="accent1"/>
-          </a:effectRef>
-          <a:fontRef idx="minor">
-            <a:schemeClr val="lt1"/>
-          </a:fontRef>
-        </p:style>
-        <p:txBody>
-          <a:bodyPr rtlCol="0" anchor="ctr"/>
-          <a:lstStyle/>
-          <a:p>
-            <a:pPr algn="ctr"/>
-            <a:r>
-              <a:rPr kumimoji="1" lang="ja-JP" altLang="en-US" dirty="0">
-                <a:latin typeface="わんぱくルイカ-０７" panose="02010803020103020304" pitchFamily="2" charset="-128"/>
-                <a:ea typeface="わんぱくルイカ-０７" panose="02010803020103020304" pitchFamily="2" charset="-128"/>
-              </a:rPr>
-              <a:t>ここに</a:t>
-            </a:r>
-            <a:r>
-              <a:rPr lang="ja-JP" altLang="en-US" dirty="0">
-                <a:latin typeface="わんぱくルイカ-０７" panose="02010803020103020304" pitchFamily="2" charset="-128"/>
-                <a:ea typeface="わんぱくルイカ-０７" panose="02010803020103020304" pitchFamily="2" charset="-128"/>
-              </a:rPr>
-              <a:t>ロゴ等を</a:t>
-            </a:r>
-            <a:endParaRPr lang="en-US" altLang="ja-JP" dirty="0">
-              <a:latin typeface="わんぱくルイカ-０７" panose="02010803020103020304" pitchFamily="2" charset="-128"/>
-              <a:ea typeface="わんぱくルイカ-０７" panose="02010803020103020304" pitchFamily="2" charset="-128"/>
-            </a:endParaRPr>
-          </a:p>
-          <a:p>
-            <a:pPr algn="ctr"/>
-            <a:r>
-              <a:rPr lang="ja-JP" altLang="en-US" dirty="0">
-                <a:latin typeface="わんぱくルイカ-０７" panose="02010803020103020304" pitchFamily="2" charset="-128"/>
-                <a:ea typeface="わんぱくルイカ-０７" panose="02010803020103020304" pitchFamily="2" charset="-128"/>
-              </a:rPr>
-              <a:t>置いても良い</a:t>
-            </a:r>
-            <a:endParaRPr kumimoji="1" lang="ja-JP" altLang="en-US" dirty="0">
-              <a:latin typeface="わんぱくルイカ-０７" panose="02010803020103020304" pitchFamily="2" charset="-128"/>
-              <a:ea typeface="わんぱくルイカ-０７" panose="02010803020103020304" pitchFamily="2" charset="-128"/>
-            </a:endParaRPr>
-          </a:p>
-        </p:txBody>
-      </p:sp>
-    </p:spTree>
-    <p:extLst>
-      <p:ext uri="{BB962C8B-B14F-4D97-AF65-F5344CB8AC3E}">
-        <p14:creationId xmlns:p14="http://schemas.microsoft.com/office/powerpoint/2010/main" val="1856168077"/>
       </p:ext>
     </p:extLst>
   </p:cSld>

--- a/UmamusumeStyle/UmamusumeStyle.pptx
+++ b/UmamusumeStyle/UmamusumeStyle.pptx
@@ -269,7 +269,7 @@
           <a:p>
             <a:fld id="{E2A15D2C-3287-41D3-B7B7-48BCEE524AD7}" type="datetimeFigureOut">
               <a:rPr kumimoji="1" lang="ja-JP" altLang="en-US" smtClean="0"/>
-              <a:t>2023/9/3</a:t>
+              <a:t>2023/9/17</a:t>
             </a:fld>
             <a:endParaRPr kumimoji="1" lang="ja-JP" altLang="en-US"/>
           </a:p>
@@ -499,7 +499,7 @@
           <a:p>
             <a:fld id="{E2A15D2C-3287-41D3-B7B7-48BCEE524AD7}" type="datetimeFigureOut">
               <a:rPr kumimoji="1" lang="ja-JP" altLang="en-US" smtClean="0"/>
-              <a:t>2023/9/3</a:t>
+              <a:t>2023/9/17</a:t>
             </a:fld>
             <a:endParaRPr kumimoji="1" lang="ja-JP" altLang="en-US"/>
           </a:p>
@@ -739,7 +739,7 @@
           <a:p>
             <a:fld id="{E2A15D2C-3287-41D3-B7B7-48BCEE524AD7}" type="datetimeFigureOut">
               <a:rPr kumimoji="1" lang="ja-JP" altLang="en-US" smtClean="0"/>
-              <a:t>2023/9/3</a:t>
+              <a:t>2023/9/17</a:t>
             </a:fld>
             <a:endParaRPr kumimoji="1" lang="ja-JP" altLang="en-US"/>
           </a:p>
@@ -969,7 +969,7 @@
           <a:p>
             <a:fld id="{E2A15D2C-3287-41D3-B7B7-48BCEE524AD7}" type="datetimeFigureOut">
               <a:rPr kumimoji="1" lang="ja-JP" altLang="en-US" smtClean="0"/>
-              <a:t>2023/9/3</a:t>
+              <a:t>2023/9/17</a:t>
             </a:fld>
             <a:endParaRPr kumimoji="1" lang="ja-JP" altLang="en-US"/>
           </a:p>
@@ -1244,7 +1244,7 @@
           <a:p>
             <a:fld id="{E2A15D2C-3287-41D3-B7B7-48BCEE524AD7}" type="datetimeFigureOut">
               <a:rPr kumimoji="1" lang="ja-JP" altLang="en-US" smtClean="0"/>
-              <a:t>2023/9/3</a:t>
+              <a:t>2023/9/17</a:t>
             </a:fld>
             <a:endParaRPr kumimoji="1" lang="ja-JP" altLang="en-US"/>
           </a:p>
@@ -1573,7 +1573,7 @@
           <a:p>
             <a:fld id="{E2A15D2C-3287-41D3-B7B7-48BCEE524AD7}" type="datetimeFigureOut">
               <a:rPr kumimoji="1" lang="ja-JP" altLang="en-US" smtClean="0"/>
-              <a:t>2023/9/3</a:t>
+              <a:t>2023/9/17</a:t>
             </a:fld>
             <a:endParaRPr kumimoji="1" lang="ja-JP" altLang="en-US"/>
           </a:p>
@@ -2049,7 +2049,7 @@
           <a:p>
             <a:fld id="{E2A15D2C-3287-41D3-B7B7-48BCEE524AD7}" type="datetimeFigureOut">
               <a:rPr kumimoji="1" lang="ja-JP" altLang="en-US" smtClean="0"/>
-              <a:t>2023/9/3</a:t>
+              <a:t>2023/9/17</a:t>
             </a:fld>
             <a:endParaRPr kumimoji="1" lang="ja-JP" altLang="en-US"/>
           </a:p>
@@ -2190,7 +2190,7 @@
           <a:p>
             <a:fld id="{E2A15D2C-3287-41D3-B7B7-48BCEE524AD7}" type="datetimeFigureOut">
               <a:rPr kumimoji="1" lang="ja-JP" altLang="en-US" smtClean="0"/>
-              <a:t>2023/9/3</a:t>
+              <a:t>2023/9/17</a:t>
             </a:fld>
             <a:endParaRPr kumimoji="1" lang="ja-JP" altLang="en-US"/>
           </a:p>
@@ -2303,7 +2303,7 @@
           <a:p>
             <a:fld id="{E2A15D2C-3287-41D3-B7B7-48BCEE524AD7}" type="datetimeFigureOut">
               <a:rPr kumimoji="1" lang="ja-JP" altLang="en-US" smtClean="0"/>
-              <a:t>2023/9/3</a:t>
+              <a:t>2023/9/17</a:t>
             </a:fld>
             <a:endParaRPr kumimoji="1" lang="ja-JP" altLang="en-US"/>
           </a:p>
@@ -2646,7 +2646,7 @@
           <a:p>
             <a:fld id="{E2A15D2C-3287-41D3-B7B7-48BCEE524AD7}" type="datetimeFigureOut">
               <a:rPr kumimoji="1" lang="ja-JP" altLang="en-US" smtClean="0"/>
-              <a:t>2023/9/3</a:t>
+              <a:t>2023/9/17</a:t>
             </a:fld>
             <a:endParaRPr kumimoji="1" lang="ja-JP" altLang="en-US"/>
           </a:p>
@@ -2934,7 +2934,7 @@
           <a:p>
             <a:fld id="{E2A15D2C-3287-41D3-B7B7-48BCEE524AD7}" type="datetimeFigureOut">
               <a:rPr kumimoji="1" lang="ja-JP" altLang="en-US" smtClean="0"/>
-              <a:t>2023/9/3</a:t>
+              <a:t>2023/9/17</a:t>
             </a:fld>
             <a:endParaRPr kumimoji="1" lang="ja-JP" altLang="en-US"/>
           </a:p>
@@ -3011,9 +3011,18 @@
 <p:sldMaster xmlns:a="http://schemas.openxmlformats.org/drawingml/2006/main" xmlns:r="http://schemas.openxmlformats.org/officeDocument/2006/relationships" xmlns:p="http://schemas.openxmlformats.org/presentationml/2006/main">
   <p:cSld>
     <p:bg>
-      <p:bgRef idx="1001">
-        <a:schemeClr val="bg1"/>
-      </p:bgRef>
+      <p:bgPr>
+        <a:blipFill dpi="0" rotWithShape="1">
+          <a:blip r:embed="rId13">
+            <a:lum/>
+          </a:blip>
+          <a:srcRect/>
+          <a:stretch>
+            <a:fillRect/>
+          </a:stretch>
+        </a:blipFill>
+        <a:effectLst/>
+      </p:bgPr>
     </p:bg>
     <p:spTree>
       <p:nvGrpSpPr>
@@ -3207,7 +3216,7 @@
           <a:p>
             <a:fld id="{E2A15D2C-3287-41D3-B7B7-48BCEE524AD7}" type="datetimeFigureOut">
               <a:rPr kumimoji="1" lang="ja-JP" altLang="en-US" smtClean="0"/>
-              <a:t>2023/9/3</a:t>
+              <a:t>2023/9/17</a:t>
             </a:fld>
             <a:endParaRPr kumimoji="1" lang="ja-JP" altLang="en-US"/>
           </a:p>
